--- a/HTML/HTML5.pptx
+++ b/HTML/HTML5.pptx
@@ -267,7 +267,7 @@
           <a:p>
             <a:fld id="{48A87A34-81AB-432B-8DAE-1953F412C126}" type="datetimeFigureOut">
               <a:rPr lang="en-US" dirty="0"/>
-              <a:t>8/3/2018</a:t>
+              <a:t>8/7/2018</a:t>
             </a:fld>
             <a:endParaRPr lang="en-US" dirty="0"/>
           </a:p>
@@ -549,7 +549,7 @@
           <a:p>
             <a:fld id="{48A87A34-81AB-432B-8DAE-1953F412C126}" type="datetimeFigureOut">
               <a:rPr lang="en-US" dirty="0"/>
-              <a:t>8/3/2018</a:t>
+              <a:t>8/7/2018</a:t>
             </a:fld>
             <a:endParaRPr lang="en-US" dirty="0"/>
           </a:p>
@@ -736,7 +736,7 @@
           <a:p>
             <a:fld id="{48A87A34-81AB-432B-8DAE-1953F412C126}" type="datetimeFigureOut">
               <a:rPr lang="en-US" dirty="0"/>
-              <a:t>8/3/2018</a:t>
+              <a:t>8/7/2018</a:t>
             </a:fld>
             <a:endParaRPr lang="en-US" dirty="0"/>
           </a:p>
@@ -992,7 +992,7 @@
           <a:p>
             <a:fld id="{48A87A34-81AB-432B-8DAE-1953F412C126}" type="datetimeFigureOut">
               <a:rPr lang="en-US" dirty="0"/>
-              <a:t>8/3/2018</a:t>
+              <a:t>8/7/2018</a:t>
             </a:fld>
             <a:endParaRPr lang="en-US" dirty="0"/>
           </a:p>
@@ -1411,7 +1411,7 @@
           <a:p>
             <a:fld id="{48A87A34-81AB-432B-8DAE-1953F412C126}" type="datetimeFigureOut">
               <a:rPr lang="en-US" dirty="0"/>
-              <a:t>8/3/2018</a:t>
+              <a:t>8/7/2018</a:t>
             </a:fld>
             <a:endParaRPr lang="en-US" dirty="0"/>
           </a:p>
@@ -1952,7 +1952,7 @@
           <a:p>
             <a:fld id="{48A87A34-81AB-432B-8DAE-1953F412C126}" type="datetimeFigureOut">
               <a:rPr lang="en-US" dirty="0"/>
-              <a:t>8/3/2018</a:t>
+              <a:t>8/7/2018</a:t>
             </a:fld>
             <a:endParaRPr lang="en-US" dirty="0"/>
           </a:p>
@@ -2787,7 +2787,7 @@
           <a:p>
             <a:fld id="{48A87A34-81AB-432B-8DAE-1953F412C126}" type="datetimeFigureOut">
               <a:rPr lang="en-US" dirty="0"/>
-              <a:t>8/3/2018</a:t>
+              <a:t>8/7/2018</a:t>
             </a:fld>
             <a:endParaRPr lang="en-US" dirty="0"/>
           </a:p>
@@ -2952,7 +2952,7 @@
           <a:p>
             <a:fld id="{48A87A34-81AB-432B-8DAE-1953F412C126}" type="datetimeFigureOut">
               <a:rPr lang="en-US" dirty="0"/>
-              <a:t>8/3/2018</a:t>
+              <a:t>8/7/2018</a:t>
             </a:fld>
             <a:endParaRPr lang="en-US" dirty="0"/>
           </a:p>
@@ -3131,7 +3131,7 @@
           <a:p>
             <a:fld id="{48A87A34-81AB-432B-8DAE-1953F412C126}" type="datetimeFigureOut">
               <a:rPr lang="en-US" dirty="0"/>
-              <a:t>8/3/2018</a:t>
+              <a:t>8/7/2018</a:t>
             </a:fld>
             <a:endParaRPr lang="en-US" dirty="0"/>
           </a:p>
@@ -3296,7 +3296,7 @@
           <a:p>
             <a:fld id="{48A87A34-81AB-432B-8DAE-1953F412C126}" type="datetimeFigureOut">
               <a:rPr lang="en-US" dirty="0"/>
-              <a:t>8/3/2018</a:t>
+              <a:t>8/7/2018</a:t>
             </a:fld>
             <a:endParaRPr lang="en-US" dirty="0"/>
           </a:p>
@@ -3539,7 +3539,7 @@
           <a:p>
             <a:fld id="{48A87A34-81AB-432B-8DAE-1953F412C126}" type="datetimeFigureOut">
               <a:rPr lang="en-US" dirty="0"/>
-              <a:t>8/3/2018</a:t>
+              <a:t>8/7/2018</a:t>
             </a:fld>
             <a:endParaRPr lang="en-US" dirty="0"/>
           </a:p>
@@ -3771,7 +3771,7 @@
           <a:p>
             <a:fld id="{48A87A34-81AB-432B-8DAE-1953F412C126}" type="datetimeFigureOut">
               <a:rPr lang="en-US" dirty="0"/>
-              <a:t>8/3/2018</a:t>
+              <a:t>8/7/2018</a:t>
             </a:fld>
             <a:endParaRPr lang="en-US" dirty="0"/>
           </a:p>
@@ -4139,7 +4139,7 @@
           <a:p>
             <a:fld id="{48A87A34-81AB-432B-8DAE-1953F412C126}" type="datetimeFigureOut">
               <a:rPr lang="en-US" dirty="0"/>
-              <a:t>8/3/2018</a:t>
+              <a:t>8/7/2018</a:t>
             </a:fld>
             <a:endParaRPr lang="en-US" dirty="0"/>
           </a:p>
@@ -4252,7 +4252,7 @@
           <a:p>
             <a:fld id="{48A87A34-81AB-432B-8DAE-1953F412C126}" type="datetimeFigureOut">
               <a:rPr lang="en-US" dirty="0"/>
-              <a:t>8/3/2018</a:t>
+              <a:t>8/7/2018</a:t>
             </a:fld>
             <a:endParaRPr lang="en-US" dirty="0"/>
           </a:p>
@@ -4342,7 +4342,7 @@
           <a:p>
             <a:fld id="{48A87A34-81AB-432B-8DAE-1953F412C126}" type="datetimeFigureOut">
               <a:rPr lang="en-US" dirty="0"/>
-              <a:t>8/3/2018</a:t>
+              <a:t>8/7/2018</a:t>
             </a:fld>
             <a:endParaRPr lang="en-US" dirty="0"/>
           </a:p>
@@ -4588,7 +4588,7 @@
           <a:p>
             <a:fld id="{48A87A34-81AB-432B-8DAE-1953F412C126}" type="datetimeFigureOut">
               <a:rPr lang="en-US" dirty="0"/>
-              <a:t>8/3/2018</a:t>
+              <a:t>8/7/2018</a:t>
             </a:fld>
             <a:endParaRPr lang="en-US" dirty="0"/>
           </a:p>
@@ -4870,7 +4870,7 @@
           <a:p>
             <a:fld id="{48A87A34-81AB-432B-8DAE-1953F412C126}" type="datetimeFigureOut">
               <a:rPr lang="en-US" dirty="0"/>
-              <a:t>8/3/2018</a:t>
+              <a:t>8/7/2018</a:t>
             </a:fld>
             <a:endParaRPr lang="en-US" dirty="0"/>
           </a:p>
@@ -5079,7 +5079,7 @@
             <a:fld id="{48A87A34-81AB-432B-8DAE-1953F412C126}" type="datetimeFigureOut">
               <a:rPr lang="en-US" dirty="0"/>
               <a:pPr/>
-              <a:t>8/3/2018</a:t>
+              <a:t>8/7/2018</a:t>
             </a:fld>
             <a:endParaRPr lang="en-US" dirty="0"/>
           </a:p>
@@ -8484,14 +8484,13 @@
           <a:p>
             <a:r>
               <a:rPr lang="en-US" dirty="0"/>
-              <a:t>3 states: unvisited,  visited, active</a:t>
-            </a:r>
-          </a:p>
-          <a:p>
-            <a:r>
-              <a:rPr lang="en-US" dirty="0"/>
-              <a:t>Anchor Vs Hyperlink</a:t>
-            </a:r>
+              <a:t>3 states: unvisited,  visited</a:t>
+            </a:r>
+            <a:r>
+              <a:rPr lang="en-US"/>
+              <a:t>, active</a:t>
+            </a:r>
+            <a:endParaRPr lang="en-US" dirty="0"/>
           </a:p>
           <a:p>
             <a:r>

--- a/HTML/HTML5.pptx
+++ b/HTML/HTML5.pptx
@@ -13,21 +13,22 @@
     <p:sldId id="263" r:id="rId7"/>
     <p:sldId id="265" r:id="rId8"/>
     <p:sldId id="266" r:id="rId9"/>
-    <p:sldId id="267" r:id="rId10"/>
-    <p:sldId id="268" r:id="rId11"/>
-    <p:sldId id="269" r:id="rId12"/>
-    <p:sldId id="270" r:id="rId13"/>
-    <p:sldId id="271" r:id="rId14"/>
-    <p:sldId id="272" r:id="rId15"/>
-    <p:sldId id="273" r:id="rId16"/>
-    <p:sldId id="274" r:id="rId17"/>
-    <p:sldId id="275" r:id="rId18"/>
-    <p:sldId id="276" r:id="rId19"/>
-    <p:sldId id="277" r:id="rId20"/>
-    <p:sldId id="278" r:id="rId21"/>
-    <p:sldId id="279" r:id="rId22"/>
-    <p:sldId id="281" r:id="rId23"/>
-    <p:sldId id="280" r:id="rId24"/>
+    <p:sldId id="284" r:id="rId10"/>
+    <p:sldId id="267" r:id="rId11"/>
+    <p:sldId id="268" r:id="rId12"/>
+    <p:sldId id="269" r:id="rId13"/>
+    <p:sldId id="270" r:id="rId14"/>
+    <p:sldId id="271" r:id="rId15"/>
+    <p:sldId id="272" r:id="rId16"/>
+    <p:sldId id="273" r:id="rId17"/>
+    <p:sldId id="274" r:id="rId18"/>
+    <p:sldId id="275" r:id="rId19"/>
+    <p:sldId id="276" r:id="rId20"/>
+    <p:sldId id="277" r:id="rId21"/>
+    <p:sldId id="278" r:id="rId22"/>
+    <p:sldId id="279" r:id="rId23"/>
+    <p:sldId id="281" r:id="rId24"/>
+    <p:sldId id="280" r:id="rId25"/>
   </p:sldIdLst>
   <p:sldSz cx="12192000" cy="6858000"/>
   <p:notesSz cx="6858000" cy="9144000"/>
@@ -267,7 +268,7 @@
           <a:p>
             <a:fld id="{48A87A34-81AB-432B-8DAE-1953F412C126}" type="datetimeFigureOut">
               <a:rPr lang="en-US" dirty="0"/>
-              <a:t>8/7/2018</a:t>
+              <a:t>8/8/2018</a:t>
             </a:fld>
             <a:endParaRPr lang="en-US" dirty="0"/>
           </a:p>
@@ -549,7 +550,7 @@
           <a:p>
             <a:fld id="{48A87A34-81AB-432B-8DAE-1953F412C126}" type="datetimeFigureOut">
               <a:rPr lang="en-US" dirty="0"/>
-              <a:t>8/7/2018</a:t>
+              <a:t>8/8/2018</a:t>
             </a:fld>
             <a:endParaRPr lang="en-US" dirty="0"/>
           </a:p>
@@ -736,7 +737,7 @@
           <a:p>
             <a:fld id="{48A87A34-81AB-432B-8DAE-1953F412C126}" type="datetimeFigureOut">
               <a:rPr lang="en-US" dirty="0"/>
-              <a:t>8/7/2018</a:t>
+              <a:t>8/8/2018</a:t>
             </a:fld>
             <a:endParaRPr lang="en-US" dirty="0"/>
           </a:p>
@@ -992,7 +993,7 @@
           <a:p>
             <a:fld id="{48A87A34-81AB-432B-8DAE-1953F412C126}" type="datetimeFigureOut">
               <a:rPr lang="en-US" dirty="0"/>
-              <a:t>8/7/2018</a:t>
+              <a:t>8/8/2018</a:t>
             </a:fld>
             <a:endParaRPr lang="en-US" dirty="0"/>
           </a:p>
@@ -1411,7 +1412,7 @@
           <a:p>
             <a:fld id="{48A87A34-81AB-432B-8DAE-1953F412C126}" type="datetimeFigureOut">
               <a:rPr lang="en-US" dirty="0"/>
-              <a:t>8/7/2018</a:t>
+              <a:t>8/8/2018</a:t>
             </a:fld>
             <a:endParaRPr lang="en-US" dirty="0"/>
           </a:p>
@@ -1952,7 +1953,7 @@
           <a:p>
             <a:fld id="{48A87A34-81AB-432B-8DAE-1953F412C126}" type="datetimeFigureOut">
               <a:rPr lang="en-US" dirty="0"/>
-              <a:t>8/7/2018</a:t>
+              <a:t>8/8/2018</a:t>
             </a:fld>
             <a:endParaRPr lang="en-US" dirty="0"/>
           </a:p>
@@ -2787,7 +2788,7 @@
           <a:p>
             <a:fld id="{48A87A34-81AB-432B-8DAE-1953F412C126}" type="datetimeFigureOut">
               <a:rPr lang="en-US" dirty="0"/>
-              <a:t>8/7/2018</a:t>
+              <a:t>8/8/2018</a:t>
             </a:fld>
             <a:endParaRPr lang="en-US" dirty="0"/>
           </a:p>
@@ -2952,7 +2953,7 @@
           <a:p>
             <a:fld id="{48A87A34-81AB-432B-8DAE-1953F412C126}" type="datetimeFigureOut">
               <a:rPr lang="en-US" dirty="0"/>
-              <a:t>8/7/2018</a:t>
+              <a:t>8/8/2018</a:t>
             </a:fld>
             <a:endParaRPr lang="en-US" dirty="0"/>
           </a:p>
@@ -3131,7 +3132,7 @@
           <a:p>
             <a:fld id="{48A87A34-81AB-432B-8DAE-1953F412C126}" type="datetimeFigureOut">
               <a:rPr lang="en-US" dirty="0"/>
-              <a:t>8/7/2018</a:t>
+              <a:t>8/8/2018</a:t>
             </a:fld>
             <a:endParaRPr lang="en-US" dirty="0"/>
           </a:p>
@@ -3296,7 +3297,7 @@
           <a:p>
             <a:fld id="{48A87A34-81AB-432B-8DAE-1953F412C126}" type="datetimeFigureOut">
               <a:rPr lang="en-US" dirty="0"/>
-              <a:t>8/7/2018</a:t>
+              <a:t>8/8/2018</a:t>
             </a:fld>
             <a:endParaRPr lang="en-US" dirty="0"/>
           </a:p>
@@ -3539,7 +3540,7 @@
           <a:p>
             <a:fld id="{48A87A34-81AB-432B-8DAE-1953F412C126}" type="datetimeFigureOut">
               <a:rPr lang="en-US" dirty="0"/>
-              <a:t>8/7/2018</a:t>
+              <a:t>8/8/2018</a:t>
             </a:fld>
             <a:endParaRPr lang="en-US" dirty="0"/>
           </a:p>
@@ -3771,7 +3772,7 @@
           <a:p>
             <a:fld id="{48A87A34-81AB-432B-8DAE-1953F412C126}" type="datetimeFigureOut">
               <a:rPr lang="en-US" dirty="0"/>
-              <a:t>8/7/2018</a:t>
+              <a:t>8/8/2018</a:t>
             </a:fld>
             <a:endParaRPr lang="en-US" dirty="0"/>
           </a:p>
@@ -4139,7 +4140,7 @@
           <a:p>
             <a:fld id="{48A87A34-81AB-432B-8DAE-1953F412C126}" type="datetimeFigureOut">
               <a:rPr lang="en-US" dirty="0"/>
-              <a:t>8/7/2018</a:t>
+              <a:t>8/8/2018</a:t>
             </a:fld>
             <a:endParaRPr lang="en-US" dirty="0"/>
           </a:p>
@@ -4252,7 +4253,7 @@
           <a:p>
             <a:fld id="{48A87A34-81AB-432B-8DAE-1953F412C126}" type="datetimeFigureOut">
               <a:rPr lang="en-US" dirty="0"/>
-              <a:t>8/7/2018</a:t>
+              <a:t>8/8/2018</a:t>
             </a:fld>
             <a:endParaRPr lang="en-US" dirty="0"/>
           </a:p>
@@ -4342,7 +4343,7 @@
           <a:p>
             <a:fld id="{48A87A34-81AB-432B-8DAE-1953F412C126}" type="datetimeFigureOut">
               <a:rPr lang="en-US" dirty="0"/>
-              <a:t>8/7/2018</a:t>
+              <a:t>8/8/2018</a:t>
             </a:fld>
             <a:endParaRPr lang="en-US" dirty="0"/>
           </a:p>
@@ -4588,7 +4589,7 @@
           <a:p>
             <a:fld id="{48A87A34-81AB-432B-8DAE-1953F412C126}" type="datetimeFigureOut">
               <a:rPr lang="en-US" dirty="0"/>
-              <a:t>8/7/2018</a:t>
+              <a:t>8/8/2018</a:t>
             </a:fld>
             <a:endParaRPr lang="en-US" dirty="0"/>
           </a:p>
@@ -4870,7 +4871,7 @@
           <a:p>
             <a:fld id="{48A87A34-81AB-432B-8DAE-1953F412C126}" type="datetimeFigureOut">
               <a:rPr lang="en-US" dirty="0"/>
-              <a:t>8/7/2018</a:t>
+              <a:t>8/8/2018</a:t>
             </a:fld>
             <a:endParaRPr lang="en-US" dirty="0"/>
           </a:p>
@@ -5079,7 +5080,7 @@
             <a:fld id="{48A87A34-81AB-432B-8DAE-1953F412C126}" type="datetimeFigureOut">
               <a:rPr lang="en-US" dirty="0"/>
               <a:pPr/>
-              <a:t>8/7/2018</a:t>
+              <a:t>8/8/2018</a:t>
             </a:fld>
             <a:endParaRPr lang="en-US" dirty="0"/>
           </a:p>
@@ -5644,7 +5645,7 @@
           <a:p>
             <a:r>
               <a:rPr lang="en-US" dirty="0"/>
-              <a:t>Lists and PRE</a:t>
+              <a:t>Table tag</a:t>
             </a:r>
           </a:p>
         </p:txBody>
@@ -5666,68 +5667,104 @@
           <a:p>
             <a:r>
               <a:rPr lang="en-US" dirty="0"/>
+              <a:t>&lt;table&gt;, &lt;</a:t>
+            </a:r>
+            <a:r>
+              <a:rPr lang="en-US" dirty="0" err="1"/>
+              <a:t>tr</a:t>
+            </a:r>
+            <a:r>
+              <a:rPr lang="en-US" dirty="0"/>
+              <a:t>&gt;, &lt;</a:t>
+            </a:r>
+            <a:r>
+              <a:rPr lang="en-US" dirty="0" err="1"/>
+              <a:t>th</a:t>
+            </a:r>
+            <a:r>
+              <a:rPr lang="en-US" dirty="0"/>
+              <a:t>&gt;, &lt;td&gt;</a:t>
+            </a:r>
+          </a:p>
+          <a:p>
+            <a:r>
+              <a:rPr lang="en-US" dirty="0"/>
+              <a:t>Border, </a:t>
+            </a:r>
+            <a:r>
+              <a:rPr lang="en-US" dirty="0" err="1"/>
+              <a:t>cellspacing</a:t>
+            </a:r>
+            <a:r>
+              <a:rPr lang="en-US" dirty="0"/>
+              <a:t>, </a:t>
+            </a:r>
+            <a:r>
+              <a:rPr lang="en-US" dirty="0" err="1"/>
+              <a:t>cellpadding</a:t>
+            </a:r>
+            <a:endParaRPr lang="en-US" dirty="0"/>
+          </a:p>
+          <a:p>
+            <a:r>
+              <a:rPr lang="en-US" dirty="0"/>
               <a:t>&lt;</a:t>
             </a:r>
             <a:r>
               <a:rPr lang="en-US" dirty="0" err="1"/>
-              <a:t>ul</a:t>
-            </a:r>
-            <a:r>
-              <a:rPr lang="en-US" dirty="0"/>
-              <a:t>&gt; | &lt;</a:t>
+              <a:t>thead</a:t>
+            </a:r>
+            <a:r>
+              <a:rPr lang="en-US" dirty="0"/>
+              <a:t>&gt;&lt;</a:t>
             </a:r>
             <a:r>
               <a:rPr lang="en-US" dirty="0" err="1"/>
-              <a:t>ol</a:t>
-            </a:r>
-            <a:r>
-              <a:rPr lang="en-US" dirty="0"/>
-              <a:t>&gt; | &lt;li&gt;</a:t>
-            </a:r>
-          </a:p>
-          <a:p>
-            <a:r>
-              <a:rPr lang="en-US" dirty="0"/>
-              <a:t>Type=“</a:t>
+              <a:t>tbody</a:t>
+            </a:r>
+            <a:r>
+              <a:rPr lang="en-US" dirty="0"/>
+              <a:t>&gt; &lt;</a:t>
             </a:r>
             <a:r>
               <a:rPr lang="en-US" dirty="0" err="1"/>
-              <a:t>square|disc|circle</a:t>
-            </a:r>
-            <a:r>
-              <a:rPr lang="en-US" dirty="0"/>
-              <a:t>”</a:t>
-            </a:r>
-          </a:p>
-          <a:p>
-            <a:pPr marL="0" indent="0">
-              <a:buNone/>
-            </a:pPr>
-            <a:endParaRPr lang="en-US" dirty="0"/>
-          </a:p>
-          <a:p>
-            <a:r>
-              <a:rPr lang="en-US" dirty="0"/>
-              <a:t>&lt;pre&gt; </a:t>
-            </a:r>
-          </a:p>
-          <a:p>
-            <a:r>
-              <a:rPr lang="en-US" dirty="0"/>
-              <a:t>Preformatted content</a:t>
-            </a:r>
-          </a:p>
-          <a:p>
-            <a:r>
-              <a:rPr lang="en-US" dirty="0"/>
-              <a:t> </a:t>
-            </a:r>
-            <a:r>
-              <a:rPr lang="en-US" dirty="0">
-                <a:effectLst/>
-              </a:rPr>
-              <a:t>fixed-width font (usually Courier)</a:t>
-            </a:r>
+              <a:t>tfoot</a:t>
+            </a:r>
+            <a:r>
+              <a:rPr lang="en-US" dirty="0"/>
+              <a:t>&gt;</a:t>
+            </a:r>
+          </a:p>
+          <a:p>
+            <a:r>
+              <a:rPr lang="en-US" dirty="0"/>
+              <a:t>&lt;</a:t>
+            </a:r>
+            <a:r>
+              <a:rPr lang="en-US" dirty="0" err="1"/>
+              <a:t>colgroup</a:t>
+            </a:r>
+            <a:r>
+              <a:rPr lang="en-US" dirty="0"/>
+              <a:t>&gt;&lt;col&gt;</a:t>
+            </a:r>
+          </a:p>
+          <a:p>
+            <a:r>
+              <a:rPr lang="en-US" dirty="0" err="1"/>
+              <a:t>rowspan</a:t>
+            </a:r>
+            <a:r>
+              <a:rPr lang="en-US" dirty="0"/>
+              <a:t> and </a:t>
+            </a:r>
+            <a:r>
+              <a:rPr lang="en-US" dirty="0" err="1"/>
+              <a:t>colspan</a:t>
+            </a:r>
+            <a:endParaRPr lang="en-US" dirty="0"/>
+          </a:p>
+          <a:p>
             <a:endParaRPr lang="en-US" dirty="0"/>
           </a:p>
         </p:txBody>
@@ -5735,7 +5772,7 @@
     </p:spTree>
     <p:extLst>
       <p:ext uri="{BB962C8B-B14F-4D97-AF65-F5344CB8AC3E}">
-        <p14:creationId xmlns:p14="http://schemas.microsoft.com/office/powerpoint/2010/main" val="4234584531"/>
+        <p14:creationId xmlns:p14="http://schemas.microsoft.com/office/powerpoint/2010/main" val="3715842210"/>
       </p:ext>
     </p:extLst>
   </p:cSld>
@@ -5779,7 +5816,7 @@
           <a:p>
             <a:r>
               <a:rPr lang="en-US" dirty="0"/>
-              <a:t>&lt;div&gt; and &lt;span&gt;</a:t>
+              <a:t>Lists and PRE</a:t>
             </a:r>
           </a:p>
         </p:txBody>
@@ -5800,57 +5837,77 @@
           <a:lstStyle/>
           <a:p>
             <a:r>
+              <a:rPr lang="en-US" dirty="0"/>
+              <a:t>&lt;</a:t>
+            </a:r>
+            <a:r>
               <a:rPr lang="en-US" dirty="0" err="1"/>
-              <a:t>Div</a:t>
-            </a:r>
+              <a:t>ul</a:t>
+            </a:r>
+            <a:r>
+              <a:rPr lang="en-US" dirty="0"/>
+              <a:t>&gt; | &lt;</a:t>
+            </a:r>
+            <a:r>
+              <a:rPr lang="en-US" dirty="0" err="1"/>
+              <a:t>ol</a:t>
+            </a:r>
+            <a:r>
+              <a:rPr lang="en-US" dirty="0"/>
+              <a:t>&gt; | &lt;li&gt;</a:t>
+            </a:r>
+          </a:p>
+          <a:p>
+            <a:r>
+              <a:rPr lang="en-US" dirty="0"/>
+              <a:t>Type=“</a:t>
+            </a:r>
+            <a:r>
+              <a:rPr lang="en-US" dirty="0" err="1"/>
+              <a:t>square|disc|circle</a:t>
+            </a:r>
+            <a:r>
+              <a:rPr lang="en-US" dirty="0"/>
+              <a:t>”</a:t>
+            </a:r>
+          </a:p>
+          <a:p>
+            <a:pPr marL="0" indent="0">
+              <a:buNone/>
+            </a:pPr>
+            <a:endParaRPr lang="en-US" dirty="0"/>
+          </a:p>
+          <a:p>
+            <a:r>
+              <a:rPr lang="en-US" dirty="0"/>
+              <a:t>&lt;pre&gt; </a:t>
+            </a:r>
+          </a:p>
+          <a:p>
+            <a:r>
+              <a:rPr lang="en-US" dirty="0"/>
+              <a:t>Preformatted content</a:t>
+            </a:r>
+          </a:p>
+          <a:p>
             <a:r>
               <a:rPr lang="en-US" dirty="0"/>
               <a:t> </a:t>
             </a:r>
-          </a:p>
-          <a:p>
-            <a:pPr lvl="1"/>
-            <a:r>
-              <a:rPr lang="en-US" dirty="0"/>
-              <a:t>Block level</a:t>
-            </a:r>
-          </a:p>
-          <a:p>
-            <a:pPr lvl="1"/>
-            <a:r>
-              <a:rPr lang="en-US" dirty="0"/>
-              <a:t>Can specify width and height</a:t>
-            </a:r>
-          </a:p>
-          <a:p>
-            <a:endParaRPr lang="en-US" dirty="0"/>
-          </a:p>
-          <a:p>
-            <a:r>
-              <a:rPr lang="en-US" dirty="0"/>
-              <a:t>Span – inline</a:t>
-            </a:r>
-          </a:p>
-          <a:p>
-            <a:pPr lvl="1"/>
-            <a:r>
-              <a:rPr lang="en-US" dirty="0"/>
-              <a:t>Inline</a:t>
-            </a:r>
-          </a:p>
-          <a:p>
-            <a:pPr lvl="1"/>
-            <a:r>
-              <a:rPr lang="en-US" dirty="0"/>
-              <a:t>Cant specify width and height</a:t>
-            </a:r>
+            <a:r>
+              <a:rPr lang="en-US" dirty="0">
+                <a:effectLst/>
+              </a:rPr>
+              <a:t>fixed-width font (usually Courier)</a:t>
+            </a:r>
+            <a:endParaRPr lang="en-US" dirty="0"/>
           </a:p>
         </p:txBody>
       </p:sp>
     </p:spTree>
     <p:extLst>
       <p:ext uri="{BB962C8B-B14F-4D97-AF65-F5344CB8AC3E}">
-        <p14:creationId xmlns:p14="http://schemas.microsoft.com/office/powerpoint/2010/main" val="3383383730"/>
+        <p14:creationId xmlns:p14="http://schemas.microsoft.com/office/powerpoint/2010/main" val="4234584531"/>
       </p:ext>
     </p:extLst>
   </p:cSld>
@@ -5894,7 +5951,7 @@
           <a:p>
             <a:r>
               <a:rPr lang="en-US" dirty="0"/>
-              <a:t>image</a:t>
+              <a:t>&lt;div&gt; and &lt;span&gt;</a:t>
             </a:r>
           </a:p>
         </p:txBody>
@@ -5915,60 +5972,49 @@
           <a:lstStyle/>
           <a:p>
             <a:r>
-              <a:rPr lang="en-US" dirty="0">
-                <a:effectLst/>
-              </a:rPr>
-              <a:t>&lt;</a:t>
-            </a:r>
-            <a:r>
-              <a:rPr lang="en-US" dirty="0" err="1">
-                <a:effectLst/>
-              </a:rPr>
-              <a:t>img</a:t>
-            </a:r>
-            <a:r>
-              <a:rPr lang="en-US" dirty="0">
-                <a:effectLst/>
-              </a:rPr>
-              <a:t> </a:t>
-            </a:r>
-            <a:r>
-              <a:rPr lang="en-US" dirty="0" err="1">
-                <a:effectLst/>
-              </a:rPr>
-              <a:t>src</a:t>
-            </a:r>
-            <a:r>
-              <a:rPr lang="en-US" dirty="0">
-                <a:effectLst/>
-              </a:rPr>
-              <a:t>="smiley.gif" alt="Smiley face" height="42" width="42“/&gt;</a:t>
-            </a:r>
-          </a:p>
-          <a:p>
-            <a:r>
-              <a:rPr lang="en-US" dirty="0">
-                <a:effectLst/>
-              </a:rPr>
-              <a:t>alt=“alternate text”</a:t>
-            </a:r>
-          </a:p>
-          <a:p>
-            <a:r>
-              <a:rPr lang="en-US" dirty="0"/>
-              <a:t>Inline element</a:t>
-            </a:r>
-          </a:p>
-          <a:p>
-            <a:r>
-              <a:rPr lang="en-US" dirty="0"/>
-              <a:t>title=“tooltip”</a:t>
-            </a:r>
-          </a:p>
-          <a:p>
-            <a:r>
-              <a:rPr lang="en-US" dirty="0"/>
-              <a:t>We can nest them with &lt;a&gt;</a:t>
+              <a:rPr lang="en-US" dirty="0" err="1"/>
+              <a:t>Div</a:t>
+            </a:r>
+            <a:r>
+              <a:rPr lang="en-US" dirty="0"/>
+              <a:t> </a:t>
+            </a:r>
+          </a:p>
+          <a:p>
+            <a:pPr lvl="1"/>
+            <a:r>
+              <a:rPr lang="en-US" dirty="0"/>
+              <a:t>Block level</a:t>
+            </a:r>
+          </a:p>
+          <a:p>
+            <a:pPr lvl="1"/>
+            <a:r>
+              <a:rPr lang="en-US" dirty="0"/>
+              <a:t>Can specify width and height</a:t>
+            </a:r>
+          </a:p>
+          <a:p>
+            <a:endParaRPr lang="en-US" dirty="0"/>
+          </a:p>
+          <a:p>
+            <a:r>
+              <a:rPr lang="en-US" dirty="0"/>
+              <a:t>Span – inline</a:t>
+            </a:r>
+          </a:p>
+          <a:p>
+            <a:pPr lvl="1"/>
+            <a:r>
+              <a:rPr lang="en-US" dirty="0"/>
+              <a:t>Inline</a:t>
+            </a:r>
+          </a:p>
+          <a:p>
+            <a:pPr lvl="1"/>
+            <a:r>
+              <a:rPr lang="en-US" dirty="0"/>
+              <a:t>Cant specify width and height</a:t>
             </a:r>
           </a:p>
         </p:txBody>
@@ -5976,7 +6022,7 @@
     </p:spTree>
     <p:extLst>
       <p:ext uri="{BB962C8B-B14F-4D97-AF65-F5344CB8AC3E}">
-        <p14:creationId xmlns:p14="http://schemas.microsoft.com/office/powerpoint/2010/main" val="587671182"/>
+        <p14:creationId xmlns:p14="http://schemas.microsoft.com/office/powerpoint/2010/main" val="3383383730"/>
       </p:ext>
     </p:extLst>
   </p:cSld>
@@ -6020,7 +6066,7 @@
           <a:p>
             <a:r>
               <a:rPr lang="en-US" dirty="0"/>
-              <a:t>marquee</a:t>
+              <a:t>image</a:t>
             </a:r>
           </a:p>
         </p:txBody>
@@ -6040,171 +6086,69 @@
           <a:bodyPr/>
           <a:lstStyle/>
           <a:p>
-            <a:r>
-              <a:rPr lang="en-US" dirty="0"/>
-              <a:t> &lt;marquee&gt;I will scroll&lt;/marquee&gt;</a:t>
-            </a:r>
-          </a:p>
-          <a:p>
-            <a:r>
-              <a:rPr lang="en-US" dirty="0"/>
-              <a:t>width = “”</a:t>
-            </a:r>
-          </a:p>
-          <a:p>
-            <a:r>
-              <a:rPr lang="en-US" dirty="0"/>
-              <a:t>direction = “</a:t>
-            </a:r>
-            <a:r>
-              <a:rPr lang="en-US" i="1" dirty="0">
-                <a:effectLst/>
-              </a:rPr>
-              <a:t>up</a:t>
-            </a:r>
             <a:r>
               <a:rPr lang="en-US" dirty="0">
                 <a:effectLst/>
               </a:rPr>
-              <a:t> | </a:t>
-            </a:r>
-            <a:r>
-              <a:rPr lang="en-US" i="1" dirty="0">
+              <a:t>&lt;</a:t>
+            </a:r>
+            <a:r>
+              <a:rPr lang="en-US" dirty="0" err="1">
                 <a:effectLst/>
               </a:rPr>
-              <a:t>down</a:t>
+              <a:t>img</a:t>
             </a:r>
             <a:r>
               <a:rPr lang="en-US" dirty="0">
                 <a:effectLst/>
               </a:rPr>
-              <a:t> | </a:t>
-            </a:r>
-            <a:r>
-              <a:rPr lang="en-US" i="1" dirty="0">
+              <a:t> </a:t>
+            </a:r>
+            <a:r>
+              <a:rPr lang="en-US" dirty="0" err="1">
                 <a:effectLst/>
               </a:rPr>
-              <a:t>left</a:t>
+              <a:t>src</a:t>
             </a:r>
             <a:r>
               <a:rPr lang="en-US" dirty="0">
                 <a:effectLst/>
               </a:rPr>
-              <a:t> | </a:t>
-            </a:r>
-            <a:r>
-              <a:rPr lang="en-US" i="1" dirty="0">
-                <a:effectLst/>
-              </a:rPr>
-              <a:t>right</a:t>
-            </a:r>
-            <a:r>
-              <a:rPr lang="en-US" dirty="0"/>
-              <a:t>”</a:t>
-            </a:r>
-          </a:p>
-          <a:p>
-            <a:r>
-              <a:rPr lang="en-US" dirty="0" err="1">
-                <a:effectLst/>
-              </a:rPr>
-              <a:t>scrolldelay</a:t>
-            </a:r>
+              <a:t>="smiley.gif" alt="Smiley face" height="42" width="42“/&gt;</a:t>
+            </a:r>
+          </a:p>
+          <a:p>
             <a:r>
               <a:rPr lang="en-US" dirty="0">
                 <a:effectLst/>
               </a:rPr>
-              <a:t> = “” </a:t>
-            </a:r>
-            <a:r>
-              <a:rPr lang="en-US" dirty="0">
-                <a:effectLst/>
-                <a:sym typeface="Wingdings" panose="05000000000000000000" pitchFamily="2" charset="2"/>
-              </a:rPr>
-              <a:t> time between 2 scrolls</a:t>
-            </a:r>
-          </a:p>
-          <a:p>
-            <a:r>
-              <a:rPr lang="en-US" dirty="0" err="1">
-                <a:effectLst/>
-              </a:rPr>
-              <a:t>scrollamount</a:t>
-            </a:r>
-            <a:r>
-              <a:rPr lang="en-US" dirty="0">
-                <a:effectLst/>
-              </a:rPr>
-              <a:t> = “” </a:t>
-            </a:r>
-            <a:r>
-              <a:rPr lang="en-US" dirty="0">
-                <a:effectLst/>
-                <a:sym typeface="Wingdings" panose="05000000000000000000" pitchFamily="2" charset="2"/>
-              </a:rPr>
-              <a:t> speed of scrolling</a:t>
-            </a:r>
-          </a:p>
-          <a:p>
-            <a:r>
-              <a:rPr lang="en-US" dirty="0">
-                <a:effectLst/>
-                <a:sym typeface="Wingdings" panose="05000000000000000000" pitchFamily="2" charset="2"/>
-              </a:rPr>
-              <a:t>loop = “”  how many time to loop</a:t>
-            </a:r>
-          </a:p>
-          <a:p>
-            <a:r>
-              <a:rPr lang="en-US" dirty="0">
-                <a:effectLst/>
-              </a:rPr>
-              <a:t>Behavior = “</a:t>
-            </a:r>
-            <a:r>
-              <a:rPr lang="en-US" i="1" dirty="0">
-                <a:effectLst/>
-              </a:rPr>
-              <a:t>scroll</a:t>
-            </a:r>
-            <a:r>
-              <a:rPr lang="en-US" dirty="0">
-                <a:effectLst/>
-              </a:rPr>
-              <a:t>, </a:t>
-            </a:r>
-            <a:r>
-              <a:rPr lang="en-US" i="1" dirty="0">
-                <a:effectLst/>
-              </a:rPr>
-              <a:t>slide</a:t>
-            </a:r>
-            <a:r>
-              <a:rPr lang="en-US" dirty="0">
-                <a:effectLst/>
-              </a:rPr>
-              <a:t> and </a:t>
-            </a:r>
-            <a:r>
-              <a:rPr lang="en-US" i="1" dirty="0">
-                <a:effectLst/>
-              </a:rPr>
-              <a:t>alternate</a:t>
-            </a:r>
-            <a:r>
-              <a:rPr lang="en-US" dirty="0">
-                <a:effectLst/>
-              </a:rPr>
-              <a:t>”</a:t>
-            </a:r>
-            <a:endParaRPr lang="en-US" dirty="0"/>
+              <a:t>alt=“alternate text”</a:t>
+            </a:r>
+          </a:p>
+          <a:p>
+            <a:r>
+              <a:rPr lang="en-US" dirty="0"/>
+              <a:t>Inline element</a:t>
+            </a:r>
+          </a:p>
+          <a:p>
+            <a:r>
+              <a:rPr lang="en-US" dirty="0"/>
+              <a:t>title=“tooltip”</a:t>
+            </a:r>
+          </a:p>
+          <a:p>
+            <a:r>
+              <a:rPr lang="en-US" dirty="0"/>
+              <a:t>We can nest them with &lt;a&gt;</a:t>
+            </a:r>
           </a:p>
         </p:txBody>
       </p:sp>
     </p:spTree>
     <p:extLst>
       <p:ext uri="{BB962C8B-B14F-4D97-AF65-F5344CB8AC3E}">
-        <p14:creationId xmlns:p14="http://schemas.microsoft.com/office/powerpoint/2010/main" val="1652495061"/>
+        <p14:creationId xmlns:p14="http://schemas.microsoft.com/office/powerpoint/2010/main" val="587671182"/>
       </p:ext>
     </p:extLst>
   </p:cSld>
@@ -6248,7 +6192,7 @@
           <a:p>
             <a:r>
               <a:rPr lang="en-US" dirty="0"/>
-              <a:t>Form and Form elements</a:t>
+              <a:t>marquee</a:t>
             </a:r>
           </a:p>
         </p:txBody>
@@ -6263,178 +6207,176 @@
             <p:ph idx="1"/>
           </p:nvPr>
         </p:nvSpPr>
-        <p:spPr>
-          <a:xfrm>
-            <a:off x="913795" y="2096063"/>
-            <a:ext cx="10353762" cy="4278233"/>
-          </a:xfrm>
-        </p:spPr>
-        <p:txBody>
-          <a:bodyPr>
-            <a:normAutofit/>
-          </a:bodyPr>
-          <a:lstStyle/>
-          <a:p>
-            <a:r>
-              <a:rPr lang="en-US" dirty="0"/>
-              <a:t>&lt;form&gt;&lt;/form&gt;</a:t>
-            </a:r>
-          </a:p>
-          <a:p>
-            <a:pPr lvl="1"/>
-            <a:r>
-              <a:rPr lang="en-US" dirty="0"/>
-              <a:t>Input | </a:t>
-            </a:r>
-            <a:r>
-              <a:rPr lang="en-US" dirty="0" err="1"/>
-              <a:t>textarea</a:t>
-            </a:r>
-            <a:r>
-              <a:rPr lang="en-US" dirty="0"/>
-              <a:t> | button | select  | </a:t>
-            </a:r>
-            <a:r>
-              <a:rPr lang="en-US" dirty="0" err="1"/>
-              <a:t>fieldset</a:t>
-            </a:r>
-            <a:r>
-              <a:rPr lang="en-US" dirty="0"/>
-              <a:t> | label</a:t>
-            </a:r>
-          </a:p>
-          <a:p>
-            <a:pPr lvl="1"/>
-            <a:r>
-              <a:rPr lang="en-US" dirty="0"/>
-              <a:t>action = “</a:t>
-            </a:r>
-            <a:r>
-              <a:rPr lang="en-US" dirty="0" err="1"/>
-              <a:t>url</a:t>
-            </a:r>
-            <a:r>
-              <a:rPr lang="en-US" dirty="0"/>
-              <a:t>”, method=“</a:t>
-            </a:r>
-            <a:r>
-              <a:rPr lang="en-US" dirty="0" err="1"/>
-              <a:t>get|post</a:t>
-            </a:r>
-            <a:r>
-              <a:rPr lang="en-US" dirty="0"/>
-              <a:t>, name=“</a:t>
-            </a:r>
-            <a:r>
-              <a:rPr lang="en-US" dirty="0" err="1"/>
-              <a:t>myform</a:t>
-            </a:r>
-            <a:r>
-              <a:rPr lang="en-US" dirty="0"/>
-              <a:t>”, target=“_blank | _self | _parent | _top”, submit=“</a:t>
-            </a:r>
-            <a:r>
-              <a:rPr lang="en-US" dirty="0" err="1"/>
-              <a:t>asdasd</a:t>
-            </a:r>
-            <a:r>
-              <a:rPr lang="en-US" dirty="0"/>
-              <a:t>()”</a:t>
-            </a:r>
-          </a:p>
-          <a:p>
-            <a:pPr lvl="1"/>
-            <a:r>
-              <a:rPr lang="en-US" dirty="0"/>
-              <a:t>HMTL 5: </a:t>
+        <p:spPr/>
+        <p:txBody>
+          <a:bodyPr/>
+          <a:lstStyle/>
+          <a:p>
+            <a:r>
+              <a:rPr lang="en-US" dirty="0"/>
+              <a:t> &lt;marquee&gt;I will scroll&lt;/marquee&gt;</a:t>
+            </a:r>
+          </a:p>
+          <a:p>
+            <a:r>
+              <a:rPr lang="en-US" dirty="0"/>
+              <a:t>width = “”</a:t>
+            </a:r>
+          </a:p>
+          <a:p>
+            <a:r>
+              <a:rPr lang="en-US" dirty="0"/>
+              <a:t>direction = “</a:t>
+            </a:r>
+            <a:r>
+              <a:rPr lang="en-US" i="1" dirty="0">
+                <a:effectLst/>
+              </a:rPr>
+              <a:t>up</a:t>
             </a:r>
             <a:r>
               <a:rPr lang="en-US" dirty="0">
                 <a:effectLst/>
               </a:rPr>
-              <a:t>autocomplete = “</a:t>
-            </a:r>
+              <a:t> | </a:t>
+            </a:r>
+            <a:r>
+              <a:rPr lang="en-US" i="1" dirty="0">
+                <a:effectLst/>
+              </a:rPr>
+              <a:t>down</a:t>
+            </a:r>
+            <a:r>
+              <a:rPr lang="en-US" dirty="0">
+                <a:effectLst/>
+              </a:rPr>
+              <a:t> | </a:t>
+            </a:r>
+            <a:r>
+              <a:rPr lang="en-US" i="1" dirty="0">
+                <a:effectLst/>
+              </a:rPr>
+              <a:t>left</a:t>
+            </a:r>
+            <a:r>
+              <a:rPr lang="en-US" dirty="0">
+                <a:effectLst/>
+              </a:rPr>
+              <a:t> | </a:t>
+            </a:r>
+            <a:r>
+              <a:rPr lang="en-US" i="1" dirty="0">
+                <a:effectLst/>
+              </a:rPr>
+              <a:t>right</a:t>
+            </a:r>
+            <a:r>
+              <a:rPr lang="en-US" dirty="0"/>
+              <a:t>”</a:t>
+            </a:r>
+          </a:p>
+          <a:p>
             <a:r>
               <a:rPr lang="en-US" dirty="0" err="1">
                 <a:effectLst/>
               </a:rPr>
-              <a:t>on|off</a:t>
+              <a:t>scrolldelay</a:t>
             </a:r>
             <a:r>
               <a:rPr lang="en-US" dirty="0">
                 <a:effectLst/>
               </a:rPr>
-              <a:t>” and </a:t>
-            </a:r>
+              <a:t> = “” </a:t>
+            </a:r>
+            <a:r>
+              <a:rPr lang="en-US" dirty="0">
+                <a:effectLst/>
+                <a:sym typeface="Wingdings" panose="05000000000000000000" pitchFamily="2" charset="2"/>
+              </a:rPr>
+              <a:t> time between 2 scrolls</a:t>
+            </a:r>
+          </a:p>
+          <a:p>
             <a:r>
               <a:rPr lang="en-US" dirty="0" err="1">
                 <a:effectLst/>
               </a:rPr>
-              <a:t>novalidate</a:t>
-            </a:r>
-            <a:endParaRPr lang="en-US" dirty="0"/>
-          </a:p>
-          <a:p>
-            <a:r>
-              <a:rPr lang="en-US" dirty="0"/>
-              <a:t>&lt;input/&gt;</a:t>
-            </a:r>
-          </a:p>
-          <a:p>
-            <a:pPr lvl="1"/>
-            <a:r>
-              <a:rPr lang="en-US" dirty="0"/>
-              <a:t>type = “text | password | submit | button | radio | checkbox | …..”</a:t>
-            </a:r>
-          </a:p>
-          <a:p>
-            <a:pPr lvl="1"/>
-            <a:r>
-              <a:rPr lang="en-US" dirty="0"/>
-              <a:t>HTML5 </a:t>
+              <a:t>scrollamount</a:t>
             </a:r>
             <a:r>
               <a:rPr lang="en-US" dirty="0">
+                <a:effectLst/>
+              </a:rPr>
+              <a:t> = “” </a:t>
+            </a:r>
+            <a:r>
+              <a:rPr lang="en-US" dirty="0">
+                <a:effectLst/>
                 <a:sym typeface="Wingdings" panose="05000000000000000000" pitchFamily="2" charset="2"/>
               </a:rPr>
-              <a:t> new tags</a:t>
-            </a:r>
-          </a:p>
-          <a:p>
-            <a:pPr lvl="1"/>
+              <a:t> speed of scrolling</a:t>
+            </a:r>
+          </a:p>
+          <a:p>
             <a:r>
               <a:rPr lang="en-US" dirty="0">
+                <a:effectLst/>
                 <a:sym typeface="Wingdings" panose="05000000000000000000" pitchFamily="2" charset="2"/>
               </a:rPr>
-              <a:t>Name=“” and Value = “”</a:t>
+              <a:t>loop = “”  how many time to loop</a:t>
             </a:r>
           </a:p>
           <a:p>
             <a:r>
               <a:rPr lang="en-US" dirty="0">
-                <a:sym typeface="Wingdings" panose="05000000000000000000" pitchFamily="2" charset="2"/>
-              </a:rPr>
-              <a:t>&lt;</a:t>
-            </a:r>
-            <a:r>
-              <a:rPr lang="en-US" dirty="0" err="1">
-                <a:sym typeface="Wingdings" panose="05000000000000000000" pitchFamily="2" charset="2"/>
-              </a:rPr>
-              <a:t>lable</a:t>
+                <a:effectLst/>
+              </a:rPr>
+              <a:t>Behavior = “</a:t>
+            </a:r>
+            <a:r>
+              <a:rPr lang="en-US" i="1" dirty="0">
+                <a:effectLst/>
+              </a:rPr>
+              <a:t>scroll</a:t>
             </a:r>
             <a:r>
               <a:rPr lang="en-US" dirty="0">
-                <a:sym typeface="Wingdings" panose="05000000000000000000" pitchFamily="2" charset="2"/>
-              </a:rPr>
-              <a:t> for=“id”&gt;</a:t>
-            </a:r>
+                <a:effectLst/>
+              </a:rPr>
+              <a:t>, </a:t>
+            </a:r>
+            <a:r>
+              <a:rPr lang="en-US" i="1" dirty="0">
+                <a:effectLst/>
+              </a:rPr>
+              <a:t>slide</a:t>
+            </a:r>
+            <a:r>
+              <a:rPr lang="en-US" dirty="0">
+                <a:effectLst/>
+              </a:rPr>
+              <a:t> and </a:t>
+            </a:r>
+            <a:r>
+              <a:rPr lang="en-US" i="1" dirty="0">
+                <a:effectLst/>
+              </a:rPr>
+              <a:t>alternate</a:t>
+            </a:r>
+            <a:r>
+              <a:rPr lang="en-US" dirty="0">
+                <a:effectLst/>
+              </a:rPr>
+              <a:t>”</a:t>
+            </a:r>
+            <a:endParaRPr lang="en-US" dirty="0"/>
           </a:p>
         </p:txBody>
       </p:sp>
     </p:spTree>
     <p:extLst>
       <p:ext uri="{BB962C8B-B14F-4D97-AF65-F5344CB8AC3E}">
-        <p14:creationId xmlns:p14="http://schemas.microsoft.com/office/powerpoint/2010/main" val="3592224471"/>
+        <p14:creationId xmlns:p14="http://schemas.microsoft.com/office/powerpoint/2010/main" val="1652495061"/>
       </p:ext>
     </p:extLst>
   </p:cSld>
@@ -6477,185 +6419,194 @@
           <a:lstStyle/>
           <a:p>
             <a:r>
+              <a:rPr lang="en-US" dirty="0"/>
+              <a:t>Form and Form elements</a:t>
+            </a:r>
+          </a:p>
+        </p:txBody>
+      </p:sp>
+      <p:sp>
+        <p:nvSpPr>
+          <p:cNvPr id="3" name="Content Placeholder 2"/>
+          <p:cNvSpPr>
+            <a:spLocks noGrp="1"/>
+          </p:cNvSpPr>
+          <p:nvPr>
+            <p:ph idx="1"/>
+          </p:nvPr>
+        </p:nvSpPr>
+        <p:spPr>
+          <a:xfrm>
+            <a:off x="913795" y="2096063"/>
+            <a:ext cx="10353762" cy="4278233"/>
+          </a:xfrm>
+        </p:spPr>
+        <p:txBody>
+          <a:bodyPr>
+            <a:normAutofit/>
+          </a:bodyPr>
+          <a:lstStyle/>
+          <a:p>
+            <a:r>
+              <a:rPr lang="en-US" dirty="0"/>
+              <a:t>&lt;form&gt;&lt;/form&gt;</a:t>
+            </a:r>
+          </a:p>
+          <a:p>
+            <a:pPr lvl="1"/>
+            <a:r>
+              <a:rPr lang="en-US" dirty="0"/>
+              <a:t>Input | </a:t>
+            </a:r>
+            <a:r>
               <a:rPr lang="en-US" dirty="0" err="1"/>
-              <a:t>Fieldset</a:t>
-            </a:r>
-            <a:r>
-              <a:rPr lang="en-US" dirty="0"/>
-              <a:t> and legend</a:t>
-            </a:r>
-          </a:p>
-        </p:txBody>
-      </p:sp>
-      <p:sp>
-        <p:nvSpPr>
-          <p:cNvPr id="3" name="Content Placeholder 2"/>
-          <p:cNvSpPr>
-            <a:spLocks noGrp="1"/>
-          </p:cNvSpPr>
-          <p:nvPr>
-            <p:ph idx="1"/>
-          </p:nvPr>
-        </p:nvSpPr>
-        <p:spPr/>
-        <p:txBody>
-          <a:bodyPr>
-            <a:normAutofit lnSpcReduction="10000"/>
-          </a:bodyPr>
-          <a:lstStyle/>
-          <a:p>
-            <a:pPr marL="0" indent="0">
-              <a:buNone/>
-            </a:pPr>
+              <a:t>textarea</a:t>
+            </a:r>
+            <a:r>
+              <a:rPr lang="en-US" dirty="0"/>
+              <a:t> | button | select  | </a:t>
+            </a:r>
+            <a:r>
+              <a:rPr lang="en-US" dirty="0" err="1"/>
+              <a:t>fieldset</a:t>
+            </a:r>
+            <a:r>
+              <a:rPr lang="en-US" dirty="0"/>
+              <a:t> | label</a:t>
+            </a:r>
+          </a:p>
+          <a:p>
+            <a:pPr lvl="1"/>
+            <a:r>
+              <a:rPr lang="en-US" dirty="0"/>
+              <a:t>action = “</a:t>
+            </a:r>
+            <a:r>
+              <a:rPr lang="en-US" dirty="0" err="1"/>
+              <a:t>url</a:t>
+            </a:r>
+            <a:r>
+              <a:rPr lang="en-US" dirty="0"/>
+              <a:t>”, method=“</a:t>
+            </a:r>
+            <a:r>
+              <a:rPr lang="en-US" dirty="0" err="1"/>
+              <a:t>get|post</a:t>
+            </a:r>
+            <a:r>
+              <a:rPr lang="en-US" dirty="0"/>
+              <a:t>, name=“</a:t>
+            </a:r>
+            <a:r>
+              <a:rPr lang="en-US" dirty="0" err="1"/>
+              <a:t>myform</a:t>
+            </a:r>
+            <a:r>
+              <a:rPr lang="en-US" dirty="0"/>
+              <a:t>”, target=“_blank | _self | _parent | _top”, submit=“</a:t>
+            </a:r>
+            <a:r>
+              <a:rPr lang="en-US" dirty="0" err="1"/>
+              <a:t>asdasd</a:t>
+            </a:r>
+            <a:r>
+              <a:rPr lang="en-US" dirty="0"/>
+              <a:t>()”</a:t>
+            </a:r>
+          </a:p>
+          <a:p>
+            <a:pPr lvl="1"/>
+            <a:r>
+              <a:rPr lang="en-US" dirty="0"/>
+              <a:t>HMTL 5: </a:t>
+            </a:r>
             <a:r>
               <a:rPr lang="en-US" dirty="0">
                 <a:effectLst/>
               </a:rPr>
-              <a:t>&lt;form&gt;</a:t>
-            </a:r>
-          </a:p>
-          <a:p>
-            <a:pPr marL="0" indent="0">
-              <a:buNone/>
-            </a:pPr>
+              <a:t>autocomplete = “</a:t>
+            </a:r>
+            <a:r>
+              <a:rPr lang="en-US" dirty="0" err="1">
+                <a:effectLst/>
+              </a:rPr>
+              <a:t>on|off</a:t>
+            </a:r>
             <a:r>
               <a:rPr lang="en-US" dirty="0">
                 <a:effectLst/>
               </a:rPr>
-              <a:t>  &lt;</a:t>
+              <a:t>” and </a:t>
             </a:r>
             <a:r>
               <a:rPr lang="en-US" dirty="0" err="1">
                 <a:effectLst/>
               </a:rPr>
-              <a:t>fieldset</a:t>
+              <a:t>novalidate</a:t>
+            </a:r>
+            <a:endParaRPr lang="en-US" dirty="0"/>
+          </a:p>
+          <a:p>
+            <a:r>
+              <a:rPr lang="en-US" dirty="0"/>
+              <a:t>&lt;input/&gt;</a:t>
+            </a:r>
+          </a:p>
+          <a:p>
+            <a:pPr lvl="1"/>
+            <a:r>
+              <a:rPr lang="en-US" dirty="0"/>
+              <a:t>type = “text | password | submit | button | radio | checkbox | …..”</a:t>
+            </a:r>
+          </a:p>
+          <a:p>
+            <a:pPr lvl="1"/>
+            <a:r>
+              <a:rPr lang="en-US" dirty="0"/>
+              <a:t>HTML5 </a:t>
             </a:r>
             <a:r>
               <a:rPr lang="en-US" dirty="0">
-                <a:effectLst/>
-              </a:rPr>
-              <a:t>&gt;</a:t>
-            </a:r>
-            <a:br>
-              <a:rPr lang="en-US" dirty="0"/>
-            </a:br>
+                <a:sym typeface="Wingdings" panose="05000000000000000000" pitchFamily="2" charset="2"/>
+              </a:rPr>
+              <a:t> new tags</a:t>
+            </a:r>
+          </a:p>
+          <a:p>
+            <a:pPr lvl="1"/>
             <a:r>
               <a:rPr lang="en-US" dirty="0">
-                <a:effectLst/>
-              </a:rPr>
-              <a:t>    &lt;legend&gt;</a:t>
+                <a:sym typeface="Wingdings" panose="05000000000000000000" pitchFamily="2" charset="2"/>
+              </a:rPr>
+              <a:t>Name=“” and Value = “”</a:t>
+            </a:r>
+          </a:p>
+          <a:p>
+            <a:r>
+              <a:rPr lang="en-US" dirty="0">
+                <a:sym typeface="Wingdings" panose="05000000000000000000" pitchFamily="2" charset="2"/>
+              </a:rPr>
+              <a:t>&lt;</a:t>
             </a:r>
             <a:r>
               <a:rPr lang="en-US" dirty="0" err="1">
-                <a:effectLst/>
-              </a:rPr>
-              <a:t>Personalia</a:t>
+                <a:sym typeface="Wingdings" panose="05000000000000000000" pitchFamily="2" charset="2"/>
+              </a:rPr>
+              <a:t>lable</a:t>
             </a:r>
             <a:r>
               <a:rPr lang="en-US" dirty="0">
-                <a:effectLst/>
-              </a:rPr>
-              <a:t>:&lt;/legend&gt;</a:t>
-            </a:r>
-            <a:br>
-              <a:rPr lang="en-US" dirty="0"/>
-            </a:br>
-            <a:r>
-              <a:rPr lang="en-US" dirty="0">
-                <a:effectLst/>
-              </a:rPr>
-              <a:t>    Name: &lt;input type="text"&gt;&lt;</a:t>
-            </a:r>
-            <a:r>
-              <a:rPr lang="en-US" dirty="0" err="1">
-                <a:effectLst/>
-              </a:rPr>
-              <a:t>br</a:t>
-            </a:r>
-            <a:r>
-              <a:rPr lang="en-US" dirty="0">
-                <a:effectLst/>
-              </a:rPr>
-              <a:t>&gt;</a:t>
-            </a:r>
-            <a:br>
-              <a:rPr lang="en-US" dirty="0"/>
-            </a:br>
-            <a:r>
-              <a:rPr lang="en-US" dirty="0">
-                <a:effectLst/>
-              </a:rPr>
-              <a:t>    Email: &lt;input type="text"&gt;&lt;</a:t>
-            </a:r>
-            <a:r>
-              <a:rPr lang="en-US" dirty="0" err="1">
-                <a:effectLst/>
-              </a:rPr>
-              <a:t>br</a:t>
-            </a:r>
-            <a:r>
-              <a:rPr lang="en-US" dirty="0">
-                <a:effectLst/>
-              </a:rPr>
-              <a:t>&gt;</a:t>
-            </a:r>
-            <a:br>
-              <a:rPr lang="en-US" dirty="0"/>
-            </a:br>
-            <a:r>
-              <a:rPr lang="en-US" dirty="0">
-                <a:effectLst/>
-              </a:rPr>
-              <a:t>    Date of birth: &lt;input type="text"&gt;</a:t>
-            </a:r>
-            <a:br>
-              <a:rPr lang="en-US" dirty="0"/>
-            </a:br>
-            <a:r>
-              <a:rPr lang="en-US" dirty="0">
-                <a:effectLst/>
-              </a:rPr>
-              <a:t>  &lt;/</a:t>
-            </a:r>
-            <a:r>
-              <a:rPr lang="en-US" dirty="0" err="1">
-                <a:effectLst/>
-              </a:rPr>
-              <a:t>fieldset</a:t>
-            </a:r>
-            <a:r>
-              <a:rPr lang="en-US" dirty="0">
-                <a:effectLst/>
-              </a:rPr>
-              <a:t>&gt;</a:t>
-            </a:r>
-          </a:p>
-          <a:p>
-            <a:pPr marL="0" indent="0">
-              <a:buNone/>
-            </a:pPr>
-            <a:r>
-              <a:rPr lang="en-US" dirty="0">
-                <a:effectLst/>
-              </a:rPr>
-              <a:t>&lt;/form&gt;</a:t>
-            </a:r>
-          </a:p>
-          <a:p>
-            <a:r>
-              <a:rPr lang="en-US" dirty="0">
-                <a:effectLst/>
-              </a:rPr>
-              <a:t>disabled=“”, form=“”, </a:t>
-            </a:r>
-            <a:endParaRPr lang="en-US" dirty="0"/>
+                <a:sym typeface="Wingdings" panose="05000000000000000000" pitchFamily="2" charset="2"/>
+              </a:rPr>
+              <a:t> for=“id”&gt;</a:t>
+            </a:r>
           </a:p>
         </p:txBody>
       </p:sp>
     </p:spTree>
     <p:extLst>
       <p:ext uri="{BB962C8B-B14F-4D97-AF65-F5344CB8AC3E}">
-        <p14:creationId xmlns:p14="http://schemas.microsoft.com/office/powerpoint/2010/main" val="1414132550"/>
+        <p14:creationId xmlns:p14="http://schemas.microsoft.com/office/powerpoint/2010/main" val="3592224471"/>
       </p:ext>
     </p:extLst>
   </p:cSld>
@@ -6698,8 +6649,12 @@
           <a:lstStyle/>
           <a:p>
             <a:r>
-              <a:rPr lang="en-US" dirty="0"/>
-              <a:t>Frames and iframes</a:t>
+              <a:rPr lang="en-US" dirty="0" err="1"/>
+              <a:t>Fieldset</a:t>
+            </a:r>
+            <a:r>
+              <a:rPr lang="en-US" dirty="0"/>
+              <a:t> and legend</a:t>
             </a:r>
           </a:p>
         </p:txBody>
@@ -6714,114 +6669,156 @@
             <p:ph idx="1"/>
           </p:nvPr>
         </p:nvSpPr>
-        <p:spPr>
-          <a:xfrm>
-            <a:off x="913795" y="2096064"/>
-            <a:ext cx="10353762" cy="4357745"/>
-          </a:xfrm>
-        </p:spPr>
-        <p:txBody>
-          <a:bodyPr/>
-          <a:lstStyle/>
-          <a:p>
-            <a:r>
-              <a:rPr lang="en-US" dirty="0"/>
-              <a:t>&lt;frameset&gt; NOT supported in HTML5</a:t>
-            </a:r>
-          </a:p>
-          <a:p>
-            <a:r>
-              <a:rPr lang="en-US" dirty="0"/>
-              <a:t>&lt;frameset&gt;</a:t>
-            </a:r>
-          </a:p>
-          <a:p>
-            <a:pPr lvl="1"/>
-            <a:r>
-              <a:rPr lang="en-US" dirty="0"/>
-              <a:t>rows=“”,  cols=“”</a:t>
-            </a:r>
-          </a:p>
-          <a:p>
-            <a:r>
-              <a:rPr lang="en-US" dirty="0"/>
-              <a:t>&lt;frame&gt;</a:t>
-            </a:r>
-          </a:p>
-          <a:p>
-            <a:pPr lvl="1"/>
-            <a:r>
-              <a:rPr lang="en-US" dirty="0" err="1"/>
-              <a:t>src</a:t>
-            </a:r>
-            <a:r>
-              <a:rPr lang="en-US" dirty="0"/>
-              <a:t>=“”</a:t>
-            </a:r>
-          </a:p>
-          <a:p>
-            <a:pPr lvl="1"/>
-            <a:r>
-              <a:rPr lang="en-US" dirty="0" err="1"/>
-              <a:t>frameborder</a:t>
-            </a:r>
-            <a:r>
-              <a:rPr lang="en-US" dirty="0"/>
-              <a:t>=“0|1”,  </a:t>
-            </a:r>
-            <a:r>
-              <a:rPr lang="en-US" dirty="0" err="1"/>
-              <a:t>noresize</a:t>
-            </a:r>
-            <a:r>
-              <a:rPr lang="en-US" dirty="0"/>
-              <a:t>=“</a:t>
-            </a:r>
-            <a:r>
-              <a:rPr lang="en-US" dirty="0" err="1"/>
-              <a:t>noresize</a:t>
-            </a:r>
-            <a:r>
-              <a:rPr lang="en-US" dirty="0"/>
-              <a:t>”, scrolling=“</a:t>
-            </a:r>
-            <a:r>
-              <a:rPr lang="en-US" dirty="0" err="1"/>
-              <a:t>yes|no|auto</a:t>
-            </a:r>
-            <a:r>
-              <a:rPr lang="en-US" dirty="0"/>
-              <a:t>”</a:t>
-            </a:r>
-          </a:p>
-          <a:p>
-            <a:r>
-              <a:rPr lang="en-US" dirty="0"/>
-              <a:t>&lt;iframe&gt;</a:t>
-            </a:r>
-          </a:p>
-          <a:p>
-            <a:pPr lvl="1"/>
-            <a:r>
-              <a:rPr lang="en-US" dirty="0" err="1"/>
-              <a:t>src</a:t>
-            </a:r>
-            <a:r>
-              <a:rPr lang="en-US" dirty="0"/>
-              <a:t>=“”,  width=“”,  height=“”</a:t>
-            </a:r>
-          </a:p>
-          <a:p>
-            <a:pPr lvl="1"/>
-            <a:r>
-              <a:rPr lang="en-US" dirty="0"/>
-              <a:t>name=“”  </a:t>
-            </a:r>
+        <p:spPr/>
+        <p:txBody>
+          <a:bodyPr>
+            <a:normAutofit lnSpcReduction="10000"/>
+          </a:bodyPr>
+          <a:lstStyle/>
+          <a:p>
+            <a:pPr marL="0" indent="0">
+              <a:buNone/>
+            </a:pPr>
             <a:r>
               <a:rPr lang="en-US" dirty="0">
-                <a:sym typeface="Wingdings" panose="05000000000000000000" pitchFamily="2" charset="2"/>
-              </a:rPr>
-              <a:t> &lt;a target=“”&gt;google&lt;/a&gt;</a:t>
+                <a:effectLst/>
+              </a:rPr>
+              <a:t>&lt;form&gt;</a:t>
+            </a:r>
+          </a:p>
+          <a:p>
+            <a:pPr marL="0" indent="0">
+              <a:buNone/>
+            </a:pPr>
+            <a:r>
+              <a:rPr lang="en-US" dirty="0">
+                <a:effectLst/>
+              </a:rPr>
+              <a:t>  &lt;</a:t>
+            </a:r>
+            <a:r>
+              <a:rPr lang="en-US" dirty="0" err="1">
+                <a:effectLst/>
+              </a:rPr>
+              <a:t>fieldset</a:t>
+            </a:r>
+            <a:r>
+              <a:rPr lang="en-US" dirty="0">
+                <a:effectLst/>
+              </a:rPr>
+              <a:t>&gt;</a:t>
+            </a:r>
+            <a:br>
+              <a:rPr lang="en-US" dirty="0"/>
+            </a:br>
+            <a:r>
+              <a:rPr lang="en-US" dirty="0">
+                <a:effectLst/>
+              </a:rPr>
+              <a:t>    &lt;legend&gt;</a:t>
+            </a:r>
+            <a:r>
+              <a:rPr lang="en-US" dirty="0" err="1">
+                <a:effectLst/>
+              </a:rPr>
+              <a:t>Personalia</a:t>
+            </a:r>
+            <a:r>
+              <a:rPr lang="en-US" dirty="0">
+                <a:effectLst/>
+              </a:rPr>
+              <a:t>:&lt;/legend&gt;</a:t>
+            </a:r>
+            <a:br>
+              <a:rPr lang="en-US" dirty="0"/>
+            </a:br>
+            <a:r>
+              <a:rPr lang="en-US" dirty="0">
+                <a:effectLst/>
+              </a:rPr>
+              <a:t>    Name: &lt;input type="text"&gt;&lt;</a:t>
+            </a:r>
+            <a:r>
+              <a:rPr lang="en-US" dirty="0" err="1">
+                <a:effectLst/>
+              </a:rPr>
+              <a:t>br</a:t>
+            </a:r>
+            <a:r>
+              <a:rPr lang="en-US" dirty="0">
+                <a:effectLst/>
+              </a:rPr>
+              <a:t>&gt;</a:t>
+            </a:r>
+            <a:br>
+              <a:rPr lang="en-US" dirty="0"/>
+            </a:br>
+            <a:r>
+              <a:rPr lang="en-US" dirty="0">
+                <a:effectLst/>
+              </a:rPr>
+              <a:t>    Email: &lt;input type="text"&gt;&lt;</a:t>
+            </a:r>
+            <a:r>
+              <a:rPr lang="en-US" dirty="0" err="1">
+                <a:effectLst/>
+              </a:rPr>
+              <a:t>br</a:t>
+            </a:r>
+            <a:r>
+              <a:rPr lang="en-US" dirty="0">
+                <a:effectLst/>
+              </a:rPr>
+              <a:t>&gt;</a:t>
+            </a:r>
+            <a:br>
+              <a:rPr lang="en-US" dirty="0"/>
+            </a:br>
+            <a:r>
+              <a:rPr lang="en-US" dirty="0">
+                <a:effectLst/>
+              </a:rPr>
+              <a:t>    Date of birth: &lt;input type="text"&gt;</a:t>
+            </a:r>
+            <a:br>
+              <a:rPr lang="en-US" dirty="0"/>
+            </a:br>
+            <a:r>
+              <a:rPr lang="en-US" dirty="0">
+                <a:effectLst/>
+              </a:rPr>
+              <a:t>  &lt;/</a:t>
+            </a:r>
+            <a:r>
+              <a:rPr lang="en-US" dirty="0" err="1">
+                <a:effectLst/>
+              </a:rPr>
+              <a:t>fieldset</a:t>
+            </a:r>
+            <a:r>
+              <a:rPr lang="en-US" dirty="0">
+                <a:effectLst/>
+              </a:rPr>
+              <a:t>&gt;</a:t>
+            </a:r>
+          </a:p>
+          <a:p>
+            <a:pPr marL="0" indent="0">
+              <a:buNone/>
+            </a:pPr>
+            <a:r>
+              <a:rPr lang="en-US" dirty="0">
+                <a:effectLst/>
+              </a:rPr>
+              <a:t>&lt;/form&gt;</a:t>
+            </a:r>
+          </a:p>
+          <a:p>
+            <a:r>
+              <a:rPr lang="en-US" dirty="0">
+                <a:effectLst/>
+              </a:rPr>
+              <a:t>disabled=“”, form=“”, </a:t>
             </a:r>
             <a:endParaRPr lang="en-US" dirty="0"/>
           </a:p>
@@ -6830,7 +6827,7 @@
     </p:spTree>
     <p:extLst>
       <p:ext uri="{BB962C8B-B14F-4D97-AF65-F5344CB8AC3E}">
-        <p14:creationId xmlns:p14="http://schemas.microsoft.com/office/powerpoint/2010/main" val="1538711712"/>
+        <p14:creationId xmlns:p14="http://schemas.microsoft.com/office/powerpoint/2010/main" val="1414132550"/>
       </p:ext>
     </p:extLst>
   </p:cSld>
@@ -6874,6 +6871,181 @@
           <a:p>
             <a:r>
               <a:rPr lang="en-US" dirty="0"/>
+              <a:t>Frames and iframes</a:t>
+            </a:r>
+          </a:p>
+        </p:txBody>
+      </p:sp>
+      <p:sp>
+        <p:nvSpPr>
+          <p:cNvPr id="3" name="Content Placeholder 2"/>
+          <p:cNvSpPr>
+            <a:spLocks noGrp="1"/>
+          </p:cNvSpPr>
+          <p:nvPr>
+            <p:ph idx="1"/>
+          </p:nvPr>
+        </p:nvSpPr>
+        <p:spPr>
+          <a:xfrm>
+            <a:off x="913795" y="2096064"/>
+            <a:ext cx="10353762" cy="4357745"/>
+          </a:xfrm>
+        </p:spPr>
+        <p:txBody>
+          <a:bodyPr/>
+          <a:lstStyle/>
+          <a:p>
+            <a:r>
+              <a:rPr lang="en-US" dirty="0"/>
+              <a:t>&lt;frameset&gt; NOT supported in HTML5</a:t>
+            </a:r>
+          </a:p>
+          <a:p>
+            <a:r>
+              <a:rPr lang="en-US" dirty="0"/>
+              <a:t>&lt;frameset&gt;</a:t>
+            </a:r>
+          </a:p>
+          <a:p>
+            <a:pPr lvl="1"/>
+            <a:r>
+              <a:rPr lang="en-US" dirty="0"/>
+              <a:t>rows=“”,  cols=“”</a:t>
+            </a:r>
+          </a:p>
+          <a:p>
+            <a:r>
+              <a:rPr lang="en-US" dirty="0"/>
+              <a:t>&lt;frame&gt;</a:t>
+            </a:r>
+          </a:p>
+          <a:p>
+            <a:pPr lvl="1"/>
+            <a:r>
+              <a:rPr lang="en-US" dirty="0" err="1"/>
+              <a:t>src</a:t>
+            </a:r>
+            <a:r>
+              <a:rPr lang="en-US" dirty="0"/>
+              <a:t>=“”</a:t>
+            </a:r>
+          </a:p>
+          <a:p>
+            <a:pPr lvl="1"/>
+            <a:r>
+              <a:rPr lang="en-US" dirty="0" err="1"/>
+              <a:t>frameborder</a:t>
+            </a:r>
+            <a:r>
+              <a:rPr lang="en-US" dirty="0"/>
+              <a:t>=“0|1”,  </a:t>
+            </a:r>
+            <a:r>
+              <a:rPr lang="en-US" dirty="0" err="1"/>
+              <a:t>noresize</a:t>
+            </a:r>
+            <a:r>
+              <a:rPr lang="en-US" dirty="0"/>
+              <a:t>=“</a:t>
+            </a:r>
+            <a:r>
+              <a:rPr lang="en-US" dirty="0" err="1"/>
+              <a:t>noresize</a:t>
+            </a:r>
+            <a:r>
+              <a:rPr lang="en-US" dirty="0"/>
+              <a:t>”, scrolling=“</a:t>
+            </a:r>
+            <a:r>
+              <a:rPr lang="en-US" dirty="0" err="1"/>
+              <a:t>yes|no|auto</a:t>
+            </a:r>
+            <a:r>
+              <a:rPr lang="en-US" dirty="0"/>
+              <a:t>”</a:t>
+            </a:r>
+          </a:p>
+          <a:p>
+            <a:r>
+              <a:rPr lang="en-US" dirty="0"/>
+              <a:t>&lt;iframe&gt;</a:t>
+            </a:r>
+          </a:p>
+          <a:p>
+            <a:pPr lvl="1"/>
+            <a:r>
+              <a:rPr lang="en-US" dirty="0" err="1"/>
+              <a:t>src</a:t>
+            </a:r>
+            <a:r>
+              <a:rPr lang="en-US" dirty="0"/>
+              <a:t>=“”,  width=“”,  height=“”</a:t>
+            </a:r>
+          </a:p>
+          <a:p>
+            <a:pPr lvl="1"/>
+            <a:r>
+              <a:rPr lang="en-US" dirty="0"/>
+              <a:t>name=“”  </a:t>
+            </a:r>
+            <a:r>
+              <a:rPr lang="en-US" dirty="0">
+                <a:sym typeface="Wingdings" panose="05000000000000000000" pitchFamily="2" charset="2"/>
+              </a:rPr>
+              <a:t> &lt;a target=“”&gt;google&lt;/a&gt;</a:t>
+            </a:r>
+            <a:endParaRPr lang="en-US" dirty="0"/>
+          </a:p>
+        </p:txBody>
+      </p:sp>
+    </p:spTree>
+    <p:extLst>
+      <p:ext uri="{BB962C8B-B14F-4D97-AF65-F5344CB8AC3E}">
+        <p14:creationId xmlns:p14="http://schemas.microsoft.com/office/powerpoint/2010/main" val="1538711712"/>
+      </p:ext>
+    </p:extLst>
+  </p:cSld>
+  <p:clrMapOvr>
+    <a:masterClrMapping/>
+  </p:clrMapOvr>
+</p:sld>
+</file>
+
+<file path=ppt/slides/slide18.xml><?xml version="1.0" encoding="utf-8"?>
+<p:sld xmlns:a="http://schemas.openxmlformats.org/drawingml/2006/main" xmlns:r="http://schemas.openxmlformats.org/officeDocument/2006/relationships" xmlns:p="http://schemas.openxmlformats.org/presentationml/2006/main">
+  <p:cSld>
+    <p:spTree>
+      <p:nvGrpSpPr>
+        <p:cNvPr id="1" name=""/>
+        <p:cNvGrpSpPr/>
+        <p:nvPr/>
+      </p:nvGrpSpPr>
+      <p:grpSpPr>
+        <a:xfrm>
+          <a:off x="0" y="0"/>
+          <a:ext cx="0" cy="0"/>
+          <a:chOff x="0" y="0"/>
+          <a:chExt cx="0" cy="0"/>
+        </a:xfrm>
+      </p:grpSpPr>
+      <p:sp>
+        <p:nvSpPr>
+          <p:cNvPr id="2" name="Title 1"/>
+          <p:cNvSpPr>
+            <a:spLocks noGrp="1"/>
+          </p:cNvSpPr>
+          <p:nvPr>
+            <p:ph type="title"/>
+          </p:nvPr>
+        </p:nvSpPr>
+        <p:spPr/>
+        <p:txBody>
+          <a:bodyPr/>
+          <a:lstStyle/>
+          <a:p>
+            <a:r>
+              <a:rPr lang="en-US" dirty="0"/>
               <a:t>Audio &amp; Video</a:t>
             </a:r>
           </a:p>
@@ -7076,7 +7248,7 @@
 </p:sld>
 </file>
 
-<file path=ppt/slides/slide18.xml><?xml version="1.0" encoding="utf-8"?>
+<file path=ppt/slides/slide19.xml><?xml version="1.0" encoding="utf-8"?>
 <p:sld xmlns:a="http://schemas.openxmlformats.org/drawingml/2006/main" xmlns:r="http://schemas.openxmlformats.org/officeDocument/2006/relationships" xmlns:p="http://schemas.openxmlformats.org/presentationml/2006/main">
   <p:cSld>
     <p:spTree>
@@ -7174,145 +7346,6 @@
     <p:extLst>
       <p:ext uri="{BB962C8B-B14F-4D97-AF65-F5344CB8AC3E}">
         <p14:creationId xmlns:p14="http://schemas.microsoft.com/office/powerpoint/2010/main" val="3752431535"/>
-      </p:ext>
-    </p:extLst>
-  </p:cSld>
-  <p:clrMapOvr>
-    <a:masterClrMapping/>
-  </p:clrMapOvr>
-</p:sld>
-</file>
-
-<file path=ppt/slides/slide19.xml><?xml version="1.0" encoding="utf-8"?>
-<p:sld xmlns:a="http://schemas.openxmlformats.org/drawingml/2006/main" xmlns:r="http://schemas.openxmlformats.org/officeDocument/2006/relationships" xmlns:p="http://schemas.openxmlformats.org/presentationml/2006/main">
-  <p:cSld>
-    <p:spTree>
-      <p:nvGrpSpPr>
-        <p:cNvPr id="1" name=""/>
-        <p:cNvGrpSpPr/>
-        <p:nvPr/>
-      </p:nvGrpSpPr>
-      <p:grpSpPr>
-        <a:xfrm>
-          <a:off x="0" y="0"/>
-          <a:ext cx="0" cy="0"/>
-          <a:chOff x="0" y="0"/>
-          <a:chExt cx="0" cy="0"/>
-        </a:xfrm>
-      </p:grpSpPr>
-      <p:sp>
-        <p:nvSpPr>
-          <p:cNvPr id="2" name="Title 1"/>
-          <p:cNvSpPr>
-            <a:spLocks noGrp="1"/>
-          </p:cNvSpPr>
-          <p:nvPr>
-            <p:ph type="title"/>
-          </p:nvPr>
-        </p:nvSpPr>
-        <p:spPr/>
-        <p:txBody>
-          <a:bodyPr/>
-          <a:lstStyle/>
-          <a:p>
-            <a:r>
-              <a:rPr lang="en-US" dirty="0"/>
-              <a:t>App cache</a:t>
-            </a:r>
-          </a:p>
-        </p:txBody>
-      </p:sp>
-      <p:sp>
-        <p:nvSpPr>
-          <p:cNvPr id="3" name="Content Placeholder 2"/>
-          <p:cNvSpPr>
-            <a:spLocks noGrp="1"/>
-          </p:cNvSpPr>
-          <p:nvPr>
-            <p:ph idx="1"/>
-          </p:nvPr>
-        </p:nvSpPr>
-        <p:spPr/>
-        <p:txBody>
-          <a:bodyPr/>
-          <a:lstStyle/>
-          <a:p>
-            <a:r>
-              <a:rPr lang="en-US" dirty="0">
-                <a:effectLst/>
-              </a:rPr>
-              <a:t>HTML5 provides application cache, which means that a web application is cached, and accessible without an internet connection. Application cache gives an application three advantages:</a:t>
-            </a:r>
-          </a:p>
-          <a:p>
-            <a:pPr lvl="1"/>
-            <a:r>
-              <a:rPr lang="en-US" dirty="0">
-                <a:effectLst/>
-              </a:rPr>
-              <a:t>Offline browsing - users can use the application when they're offline</a:t>
-            </a:r>
-          </a:p>
-          <a:p>
-            <a:pPr lvl="1"/>
-            <a:r>
-              <a:rPr lang="en-US" dirty="0">
-                <a:effectLst/>
-              </a:rPr>
-              <a:t>Speed - cached resources load faster Reduced server load - the</a:t>
-            </a:r>
-          </a:p>
-          <a:p>
-            <a:pPr lvl="1"/>
-            <a:r>
-              <a:rPr lang="en-US" dirty="0">
-                <a:effectLst/>
-              </a:rPr>
-              <a:t>browser will only download updated/changed resources from the server</a:t>
-            </a:r>
-          </a:p>
-          <a:p>
-            <a:r>
-              <a:rPr lang="en-US" dirty="0"/>
-              <a:t>&lt;html manifest=“</a:t>
-            </a:r>
-            <a:r>
-              <a:rPr lang="en-US" dirty="0" err="1"/>
-              <a:t>myManifest.appcache</a:t>
-            </a:r>
-            <a:r>
-              <a:rPr lang="en-US" dirty="0"/>
-              <a:t> | http://asdasdasd.com/</a:t>
-            </a:r>
-            <a:r>
-              <a:rPr lang="en-US" dirty="0" err="1"/>
-              <a:t>myManifest.mf</a:t>
-            </a:r>
-            <a:r>
-              <a:rPr lang="en-US" dirty="0"/>
-              <a:t>”&gt;</a:t>
-            </a:r>
-            <a:br>
-              <a:rPr lang="en-US" dirty="0"/>
-            </a:br>
-            <a:r>
-              <a:rPr lang="en-US" dirty="0"/>
-              <a:t>………..</a:t>
-            </a:r>
-            <a:br>
-              <a:rPr lang="en-US" dirty="0"/>
-            </a:br>
-            <a:r>
-              <a:rPr lang="en-US" dirty="0"/>
-              <a:t>&lt;/html&gt;</a:t>
-            </a:r>
-          </a:p>
-        </p:txBody>
-      </p:sp>
-    </p:spTree>
-    <p:extLst>
-      <p:ext uri="{BB962C8B-B14F-4D97-AF65-F5344CB8AC3E}">
-        <p14:creationId xmlns:p14="http://schemas.microsoft.com/office/powerpoint/2010/main" val="2474338767"/>
       </p:ext>
     </p:extLst>
   </p:cSld>
@@ -7451,7 +7484,7 @@
           <a:p>
             <a:r>
               <a:rPr lang="en-US" dirty="0"/>
-              <a:t>Manifest file</a:t>
+              <a:t>App cache</a:t>
             </a:r>
           </a:p>
         </p:txBody>
@@ -7468,55 +7501,77 @@
         </p:nvSpPr>
         <p:spPr/>
         <p:txBody>
-          <a:bodyPr>
-            <a:normAutofit/>
-          </a:bodyPr>
-          <a:lstStyle/>
-          <a:p>
-            <a:r>
-              <a:rPr lang="en-US" dirty="0"/>
-              <a:t>CACHE MANIFEST</a:t>
+          <a:bodyPr/>
+          <a:lstStyle/>
+          <a:p>
+            <a:r>
+              <a:rPr lang="en-US" dirty="0">
+                <a:effectLst/>
+              </a:rPr>
+              <a:t>HTML5 provides application cache, which means that a web application is cached, and accessible without an internet connection. Application cache gives an application three advantages:</a:t>
+            </a:r>
+          </a:p>
+          <a:p>
+            <a:pPr lvl="1"/>
+            <a:r>
+              <a:rPr lang="en-US" dirty="0">
+                <a:effectLst/>
+              </a:rPr>
+              <a:t>Offline browsing - users can use the application when they're offline</a:t>
+            </a:r>
+          </a:p>
+          <a:p>
+            <a:pPr lvl="1"/>
+            <a:r>
+              <a:rPr lang="en-US" dirty="0">
+                <a:effectLst/>
+              </a:rPr>
+              <a:t>Speed - cached resources load faster Reduced server load - the</a:t>
+            </a:r>
+          </a:p>
+          <a:p>
+            <a:pPr lvl="1"/>
+            <a:r>
+              <a:rPr lang="en-US" dirty="0">
+                <a:effectLst/>
+              </a:rPr>
+              <a:t>browser will only download updated/changed resources from the server</a:t>
+            </a:r>
+          </a:p>
+          <a:p>
+            <a:r>
+              <a:rPr lang="en-US" dirty="0"/>
+              <a:t>&lt;html manifest=“</a:t>
+            </a:r>
+            <a:r>
+              <a:rPr lang="en-US" dirty="0" err="1"/>
+              <a:t>myManifest.appcache</a:t>
+            </a:r>
+            <a:r>
+              <a:rPr lang="en-US" dirty="0"/>
+              <a:t> | http://asdasdasd.com/</a:t>
+            </a:r>
+            <a:r>
+              <a:rPr lang="en-US" dirty="0" err="1"/>
+              <a:t>myManifest.mf</a:t>
+            </a:r>
+            <a:r>
+              <a:rPr lang="en-US" dirty="0"/>
+              <a:t>”&gt;</a:t>
             </a:r>
             <a:br>
               <a:rPr lang="en-US" dirty="0"/>
             </a:br>
             <a:r>
               <a:rPr lang="en-US" dirty="0"/>
-              <a:t>index.html</a:t>
+              <a:t>………..</a:t>
             </a:r>
             <a:br>
               <a:rPr lang="en-US" dirty="0"/>
             </a:br>
             <a:r>
               <a:rPr lang="en-US" dirty="0"/>
-              <a:t>forms.html</a:t>
-            </a:r>
-            <a:br>
-              <a:rPr lang="en-US" dirty="0"/>
-            </a:br>
-            <a:r>
-              <a:rPr lang="en-US" dirty="0"/>
-              <a:t>stylesheet.css</a:t>
-            </a:r>
-            <a:br>
-              <a:rPr lang="en-US" dirty="0"/>
-            </a:br>
-            <a:r>
-              <a:rPr lang="en-US" dirty="0"/>
-              <a:t>images/logo.png</a:t>
-            </a:r>
-            <a:br>
-              <a:rPr lang="en-US" dirty="0"/>
-            </a:br>
-            <a:r>
-              <a:rPr lang="en-US" dirty="0"/>
-              <a:t>scripts/main.js</a:t>
-            </a:r>
-          </a:p>
-          <a:p>
-            <a:r>
-              <a:rPr lang="en-US" dirty="0"/>
-              <a:t>If manifest/resource fails to download, cache will be failed and precious cached version will be reflecting.</a:t>
+              <a:t>&lt;/html&gt;</a:t>
             </a:r>
           </a:p>
         </p:txBody>
@@ -7524,7 +7579,7 @@
     </p:spTree>
     <p:extLst>
       <p:ext uri="{BB962C8B-B14F-4D97-AF65-F5344CB8AC3E}">
-        <p14:creationId xmlns:p14="http://schemas.microsoft.com/office/powerpoint/2010/main" val="2994299748"/>
+        <p14:creationId xmlns:p14="http://schemas.microsoft.com/office/powerpoint/2010/main" val="2474338767"/>
       </p:ext>
     </p:extLst>
   </p:cSld>
@@ -7568,7 +7623,7 @@
           <a:p>
             <a:r>
               <a:rPr lang="en-US" dirty="0"/>
-              <a:t>SVG &amp; Canvas</a:t>
+              <a:t>Manifest file</a:t>
             </a:r>
           </a:p>
         </p:txBody>
@@ -7583,12 +7638,7 @@
             <p:ph idx="1"/>
           </p:nvPr>
         </p:nvSpPr>
-        <p:spPr>
-          <a:xfrm>
-            <a:off x="913795" y="2096064"/>
-            <a:ext cx="10353762" cy="4278232"/>
-          </a:xfrm>
-        </p:spPr>
+        <p:spPr/>
         <p:txBody>
           <a:bodyPr>
             <a:normAutofit/>
@@ -7597,48 +7647,48 @@
           <a:p>
             <a:r>
               <a:rPr lang="en-US" dirty="0"/>
-              <a:t>Scalar Vector Graphics</a:t>
-            </a:r>
-          </a:p>
-          <a:p>
-            <a:r>
-              <a:rPr lang="en-US" dirty="0">
-                <a:effectLst/>
-              </a:rPr>
-              <a:t>It  has several methods for drawing paths, boxes, circles, text, and graphic images.</a:t>
-            </a:r>
-          </a:p>
-          <a:p>
-            <a:r>
-              <a:rPr lang="en-US" dirty="0"/>
-              <a:t>Resolution independent</a:t>
-            </a:r>
-          </a:p>
-          <a:p>
-            <a:r>
-              <a:rPr lang="en-US" dirty="0"/>
-              <a:t>Suitable for application with large rendering areas and not for complex apps</a:t>
-            </a:r>
-          </a:p>
-          <a:p>
-            <a:endParaRPr lang="en-US" dirty="0"/>
-          </a:p>
-          <a:p>
-            <a:r>
-              <a:rPr lang="en-US" dirty="0"/>
-              <a:t>Canvas is used to draw graphics through JS</a:t>
-            </a:r>
-          </a:p>
-          <a:p>
-            <a:r>
-              <a:rPr lang="en-US" dirty="0"/>
-              <a:t>Its like an image and is resolution dependent</a:t>
-            </a:r>
-          </a:p>
-          <a:p>
-            <a:r>
-              <a:rPr lang="en-US" dirty="0"/>
-              <a:t>Best suited for game</a:t>
+              <a:t>CACHE MANIFEST</a:t>
+            </a:r>
+            <a:br>
+              <a:rPr lang="en-US" dirty="0"/>
+            </a:br>
+            <a:r>
+              <a:rPr lang="en-US" dirty="0"/>
+              <a:t>index.html</a:t>
+            </a:r>
+            <a:br>
+              <a:rPr lang="en-US" dirty="0"/>
+            </a:br>
+            <a:r>
+              <a:rPr lang="en-US" dirty="0"/>
+              <a:t>forms.html</a:t>
+            </a:r>
+            <a:br>
+              <a:rPr lang="en-US" dirty="0"/>
+            </a:br>
+            <a:r>
+              <a:rPr lang="en-US" dirty="0"/>
+              <a:t>stylesheet.css</a:t>
+            </a:r>
+            <a:br>
+              <a:rPr lang="en-US" dirty="0"/>
+            </a:br>
+            <a:r>
+              <a:rPr lang="en-US" dirty="0"/>
+              <a:t>images/logo.png</a:t>
+            </a:r>
+            <a:br>
+              <a:rPr lang="en-US" dirty="0"/>
+            </a:br>
+            <a:r>
+              <a:rPr lang="en-US" dirty="0"/>
+              <a:t>scripts/main.js</a:t>
+            </a:r>
+          </a:p>
+          <a:p>
+            <a:r>
+              <a:rPr lang="en-US" dirty="0"/>
+              <a:t>If manifest/resource fails to download, cache will be failed and precious cached version will be reflecting.</a:t>
             </a:r>
           </a:p>
         </p:txBody>
@@ -7646,7 +7696,7 @@
     </p:spTree>
     <p:extLst>
       <p:ext uri="{BB962C8B-B14F-4D97-AF65-F5344CB8AC3E}">
-        <p14:creationId xmlns:p14="http://schemas.microsoft.com/office/powerpoint/2010/main" val="161846496"/>
+        <p14:creationId xmlns:p14="http://schemas.microsoft.com/office/powerpoint/2010/main" val="2994299748"/>
       </p:ext>
     </p:extLst>
   </p:cSld>
@@ -7690,6 +7740,128 @@
           <a:p>
             <a:r>
               <a:rPr lang="en-US" dirty="0"/>
+              <a:t>SVG &amp; Canvas</a:t>
+            </a:r>
+          </a:p>
+        </p:txBody>
+      </p:sp>
+      <p:sp>
+        <p:nvSpPr>
+          <p:cNvPr id="3" name="Content Placeholder 2"/>
+          <p:cNvSpPr>
+            <a:spLocks noGrp="1"/>
+          </p:cNvSpPr>
+          <p:nvPr>
+            <p:ph idx="1"/>
+          </p:nvPr>
+        </p:nvSpPr>
+        <p:spPr>
+          <a:xfrm>
+            <a:off x="913795" y="2096064"/>
+            <a:ext cx="10353762" cy="4278232"/>
+          </a:xfrm>
+        </p:spPr>
+        <p:txBody>
+          <a:bodyPr>
+            <a:normAutofit/>
+          </a:bodyPr>
+          <a:lstStyle/>
+          <a:p>
+            <a:r>
+              <a:rPr lang="en-US" dirty="0"/>
+              <a:t>Scalar Vector Graphics</a:t>
+            </a:r>
+          </a:p>
+          <a:p>
+            <a:r>
+              <a:rPr lang="en-US" dirty="0">
+                <a:effectLst/>
+              </a:rPr>
+              <a:t>It  has several methods for drawing paths, boxes, circles, text, and graphic images.</a:t>
+            </a:r>
+          </a:p>
+          <a:p>
+            <a:r>
+              <a:rPr lang="en-US" dirty="0"/>
+              <a:t>Resolution independent</a:t>
+            </a:r>
+          </a:p>
+          <a:p>
+            <a:r>
+              <a:rPr lang="en-US" dirty="0"/>
+              <a:t>Suitable for application with large rendering areas and not for complex apps</a:t>
+            </a:r>
+          </a:p>
+          <a:p>
+            <a:endParaRPr lang="en-US" dirty="0"/>
+          </a:p>
+          <a:p>
+            <a:r>
+              <a:rPr lang="en-US" dirty="0"/>
+              <a:t>Canvas is used to draw graphics through JS</a:t>
+            </a:r>
+          </a:p>
+          <a:p>
+            <a:r>
+              <a:rPr lang="en-US" dirty="0"/>
+              <a:t>Its like an image and is resolution dependent</a:t>
+            </a:r>
+          </a:p>
+          <a:p>
+            <a:r>
+              <a:rPr lang="en-US" dirty="0"/>
+              <a:t>Best suited for game</a:t>
+            </a:r>
+          </a:p>
+        </p:txBody>
+      </p:sp>
+    </p:spTree>
+    <p:extLst>
+      <p:ext uri="{BB962C8B-B14F-4D97-AF65-F5344CB8AC3E}">
+        <p14:creationId xmlns:p14="http://schemas.microsoft.com/office/powerpoint/2010/main" val="161846496"/>
+      </p:ext>
+    </p:extLst>
+  </p:cSld>
+  <p:clrMapOvr>
+    <a:masterClrMapping/>
+  </p:clrMapOvr>
+</p:sld>
+</file>
+
+<file path=ppt/slides/slide23.xml><?xml version="1.0" encoding="utf-8"?>
+<p:sld xmlns:a="http://schemas.openxmlformats.org/drawingml/2006/main" xmlns:r="http://schemas.openxmlformats.org/officeDocument/2006/relationships" xmlns:p="http://schemas.openxmlformats.org/presentationml/2006/main">
+  <p:cSld>
+    <p:spTree>
+      <p:nvGrpSpPr>
+        <p:cNvPr id="1" name=""/>
+        <p:cNvGrpSpPr/>
+        <p:nvPr/>
+      </p:nvGrpSpPr>
+      <p:grpSpPr>
+        <a:xfrm>
+          <a:off x="0" y="0"/>
+          <a:ext cx="0" cy="0"/>
+          <a:chOff x="0" y="0"/>
+          <a:chExt cx="0" cy="0"/>
+        </a:xfrm>
+      </p:grpSpPr>
+      <p:sp>
+        <p:nvSpPr>
+          <p:cNvPr id="2" name="Title 1"/>
+          <p:cNvSpPr>
+            <a:spLocks noGrp="1"/>
+          </p:cNvSpPr>
+          <p:nvPr>
+            <p:ph type="title"/>
+          </p:nvPr>
+        </p:nvSpPr>
+        <p:spPr/>
+        <p:txBody>
+          <a:bodyPr/>
+          <a:lstStyle/>
+          <a:p>
+            <a:r>
+              <a:rPr lang="en-US" dirty="0"/>
               <a:t>Drag &amp; Drop</a:t>
             </a:r>
           </a:p>
@@ -7760,7 +7932,7 @@
 </p:sld>
 </file>
 
-<file path=ppt/slides/slide23.xml><?xml version="1.0" encoding="utf-8"?>
+<file path=ppt/slides/slide24.xml><?xml version="1.0" encoding="utf-8"?>
 <p:sld xmlns:a="http://schemas.openxmlformats.org/drawingml/2006/main" xmlns:r="http://schemas.openxmlformats.org/officeDocument/2006/relationships" xmlns:p="http://schemas.openxmlformats.org/presentationml/2006/main">
   <p:cSld>
     <p:spTree>
@@ -8645,7 +8817,13 @@
       </p:grpSpPr>
       <p:sp>
         <p:nvSpPr>
-          <p:cNvPr id="2" name="Title 1"/>
+          <p:cNvPr id="2" name="Title 1">
+            <a:extLst>
+              <a:ext uri="{FF2B5EF4-FFF2-40B4-BE49-F238E27FC236}">
+                <a16:creationId xmlns:a16="http://schemas.microsoft.com/office/drawing/2014/main" id="{1A228507-3D7F-4258-8215-4CE52EEA504C}"/>
+              </a:ext>
+            </a:extLst>
+          </p:cNvPr>
           <p:cNvSpPr>
             <a:spLocks noGrp="1"/>
           </p:cNvSpPr>
@@ -8660,134 +8838,55 @@
           <a:p>
             <a:r>
               <a:rPr lang="en-US" dirty="0"/>
-              <a:t>Table tag</a:t>
-            </a:r>
-          </a:p>
-        </p:txBody>
-      </p:sp>
-      <p:sp>
-        <p:nvSpPr>
-          <p:cNvPr id="3" name="Content Placeholder 2"/>
-          <p:cNvSpPr>
-            <a:spLocks noGrp="1"/>
-          </p:cNvSpPr>
+              <a:t>Text </a:t>
+            </a:r>
+            <a:r>
+              <a:rPr lang="en-US" dirty="0" err="1"/>
+              <a:t>Formating</a:t>
+            </a:r>
+            <a:r>
+              <a:rPr lang="en-US" dirty="0"/>
+              <a:t> tags</a:t>
+            </a:r>
+          </a:p>
+        </p:txBody>
+      </p:sp>
+      <p:pic>
+        <p:nvPicPr>
+          <p:cNvPr id="4" name="Content Placeholder 3">
+            <a:extLst>
+              <a:ext uri="{FF2B5EF4-FFF2-40B4-BE49-F238E27FC236}">
+                <a16:creationId xmlns:a16="http://schemas.microsoft.com/office/drawing/2014/main" id="{CC492CF0-0375-4625-AEEB-25EB217793F1}"/>
+              </a:ext>
+            </a:extLst>
+          </p:cNvPr>
+          <p:cNvPicPr>
+            <a:picLocks noGrp="1" noChangeAspect="1"/>
+          </p:cNvPicPr>
           <p:nvPr>
             <p:ph idx="1"/>
           </p:nvPr>
-        </p:nvSpPr>
-        <p:spPr/>
-        <p:txBody>
-          <a:bodyPr/>
-          <a:lstStyle/>
-          <a:p>
-            <a:r>
-              <a:rPr lang="en-US" dirty="0"/>
-              <a:t>&lt;table&gt;, &lt;</a:t>
-            </a:r>
-            <a:r>
-              <a:rPr lang="en-US" dirty="0" err="1"/>
-              <a:t>tr</a:t>
-            </a:r>
-            <a:r>
-              <a:rPr lang="en-US" dirty="0"/>
-              <a:t>&gt;, &lt;</a:t>
-            </a:r>
-            <a:r>
-              <a:rPr lang="en-US" dirty="0" err="1"/>
-              <a:t>th</a:t>
-            </a:r>
-            <a:r>
-              <a:rPr lang="en-US" dirty="0"/>
-              <a:t>&gt;, &lt;td&gt;</a:t>
-            </a:r>
-          </a:p>
-          <a:p>
-            <a:r>
-              <a:rPr lang="en-US" dirty="0"/>
-              <a:t>Border, </a:t>
-            </a:r>
-            <a:r>
-              <a:rPr lang="en-US" dirty="0" err="1"/>
-              <a:t>cellspacing</a:t>
-            </a:r>
-            <a:r>
-              <a:rPr lang="en-US" dirty="0"/>
-              <a:t>, </a:t>
-            </a:r>
-            <a:r>
-              <a:rPr lang="en-US" dirty="0" err="1"/>
-              <a:t>cellpadding</a:t>
-            </a:r>
-            <a:endParaRPr lang="en-US" dirty="0"/>
-          </a:p>
-          <a:p>
-            <a:r>
-              <a:rPr lang="en-US" dirty="0"/>
-              <a:t>&lt;</a:t>
-            </a:r>
-            <a:r>
-              <a:rPr lang="en-US" dirty="0" err="1"/>
-              <a:t>thead</a:t>
-            </a:r>
-            <a:r>
-              <a:rPr lang="en-US" dirty="0"/>
-              <a:t>&gt;&lt;</a:t>
-            </a:r>
-            <a:r>
-              <a:rPr lang="en-US" dirty="0" err="1"/>
-              <a:t>tbody</a:t>
-            </a:r>
-            <a:r>
-              <a:rPr lang="en-US" dirty="0"/>
-              <a:t>&gt; &lt;</a:t>
-            </a:r>
-            <a:r>
-              <a:rPr lang="en-US" dirty="0" err="1"/>
-              <a:t>tfoot</a:t>
-            </a:r>
-            <a:r>
-              <a:rPr lang="en-US" dirty="0"/>
-              <a:t>&gt;</a:t>
-            </a:r>
-          </a:p>
-          <a:p>
-            <a:r>
-              <a:rPr lang="en-US" dirty="0"/>
-              <a:t>&lt;</a:t>
-            </a:r>
-            <a:r>
-              <a:rPr lang="en-US" dirty="0" err="1"/>
-              <a:t>colgroup</a:t>
-            </a:r>
-            <a:r>
-              <a:rPr lang="en-US" dirty="0"/>
-              <a:t>&gt;&lt;col&gt;</a:t>
-            </a:r>
-          </a:p>
-          <a:p>
-            <a:r>
-              <a:rPr lang="en-US" dirty="0" err="1"/>
-              <a:t>rowspan</a:t>
-            </a:r>
-            <a:r>
-              <a:rPr lang="en-US" dirty="0"/>
-              <a:t> and </a:t>
-            </a:r>
-            <a:r>
-              <a:rPr lang="en-US" dirty="0" err="1"/>
-              <a:t>colspan</a:t>
-            </a:r>
-            <a:endParaRPr lang="en-US" dirty="0"/>
-          </a:p>
-          <a:p>
-            <a:endParaRPr lang="en-US" dirty="0"/>
-          </a:p>
-        </p:txBody>
-      </p:sp>
+        </p:nvPicPr>
+        <p:blipFill>
+          <a:blip r:embed="rId2"/>
+          <a:stretch>
+            <a:fillRect/>
+          </a:stretch>
+        </p:blipFill>
+        <p:spPr>
+          <a:xfrm>
+            <a:off x="5019675" y="2709862"/>
+            <a:ext cx="2143125" cy="2466975"/>
+          </a:xfrm>
+          <a:prstGeom prst="rect">
+            <a:avLst/>
+          </a:prstGeom>
+        </p:spPr>
+      </p:pic>
     </p:spTree>
     <p:extLst>
       <p:ext uri="{BB962C8B-B14F-4D97-AF65-F5344CB8AC3E}">
-        <p14:creationId xmlns:p14="http://schemas.microsoft.com/office/powerpoint/2010/main" val="3715842210"/>
+        <p14:creationId xmlns:p14="http://schemas.microsoft.com/office/powerpoint/2010/main" val="3515010738"/>
       </p:ext>
     </p:extLst>
   </p:cSld>
